--- a/Final Poject/Proposal - Draft Dashboard.pptx
+++ b/Final Poject/Proposal - Draft Dashboard.pptx
@@ -129,7 +129,7 @@
   <pc:docChgLst>
     <pc:chgData name="Wilona Nguyen" userId="9c55e0c3f172c613" providerId="LiveId" clId="{358A6438-66E1-4750-8344-428E29BFBE55}"/>
     <pc:docChg chg="undo custSel addSld modSld">
-      <pc:chgData name="Wilona Nguyen" userId="9c55e0c3f172c613" providerId="LiveId" clId="{358A6438-66E1-4750-8344-428E29BFBE55}" dt="2025-02-20T20:25:45.942" v="38" actId="22"/>
+      <pc:chgData name="Wilona Nguyen" userId="9c55e0c3f172c613" providerId="LiveId" clId="{358A6438-66E1-4750-8344-428E29BFBE55}" dt="2025-02-21T03:40:43.866" v="140" actId="1076"/>
       <pc:docMkLst>
         <pc:docMk/>
       </pc:docMkLst>
@@ -172,8 +172,8 @@
           </ac:spMkLst>
         </pc:spChg>
       </pc:sldChg>
-      <pc:sldChg chg="addSp delSp modSp add mod">
-        <pc:chgData name="Wilona Nguyen" userId="9c55e0c3f172c613" providerId="LiveId" clId="{358A6438-66E1-4750-8344-428E29BFBE55}" dt="2025-02-20T20:20:23.003" v="10" actId="22"/>
+      <pc:sldChg chg="addSp delSp modSp add mod setBg">
+        <pc:chgData name="Wilona Nguyen" userId="9c55e0c3f172c613" providerId="LiveId" clId="{358A6438-66E1-4750-8344-428E29BFBE55}" dt="2025-02-21T03:15:37.853" v="105" actId="1076"/>
         <pc:sldMkLst>
           <pc:docMk/>
           <pc:sldMk cId="3799506561" sldId="257"/>
@@ -194,6 +194,22 @@
             <ac:spMk id="4" creationId="{854A6B9E-E4B4-D3F6-884B-94B2E40A0E20}"/>
           </ac:spMkLst>
         </pc:spChg>
+        <pc:spChg chg="add del">
+          <ac:chgData name="Wilona Nguyen" userId="9c55e0c3f172c613" providerId="LiveId" clId="{358A6438-66E1-4750-8344-428E29BFBE55}" dt="2025-02-21T03:08:56.323" v="64" actId="26606"/>
+          <ac:spMkLst>
+            <pc:docMk/>
+            <pc:sldMk cId="3799506561" sldId="257"/>
+            <ac:spMk id="15" creationId="{262ABC4B-37D8-4218-BDD8-6DF6A00C0C80}"/>
+          </ac:spMkLst>
+        </pc:spChg>
+        <pc:spChg chg="add">
+          <ac:chgData name="Wilona Nguyen" userId="9c55e0c3f172c613" providerId="LiveId" clId="{358A6438-66E1-4750-8344-428E29BFBE55}" dt="2025-02-21T03:08:56.323" v="64" actId="26606"/>
+          <ac:spMkLst>
+            <pc:docMk/>
+            <pc:sldMk cId="3799506561" sldId="257"/>
+            <ac:spMk id="20" creationId="{42A4FC2C-047E-45A5-965D-8E1E3BF09BC6}"/>
+          </ac:spMkLst>
+        </pc:spChg>
         <pc:graphicFrameChg chg="del">
           <ac:chgData name="Wilona Nguyen" userId="9c55e0c3f172c613" providerId="LiveId" clId="{358A6438-66E1-4750-8344-428E29BFBE55}" dt="2025-02-20T20:16:29.296" v="1" actId="478"/>
           <ac:graphicFrameMkLst>
@@ -202,12 +218,36 @@
             <ac:graphicFrameMk id="11" creationId="{9A09880E-196A-BD98-E7D5-A4ADC94020B3}"/>
           </ac:graphicFrameMkLst>
         </pc:graphicFrameChg>
+        <pc:picChg chg="add del mod">
+          <ac:chgData name="Wilona Nguyen" userId="9c55e0c3f172c613" providerId="LiveId" clId="{358A6438-66E1-4750-8344-428E29BFBE55}" dt="2025-02-21T03:09:57.038" v="79" actId="478"/>
+          <ac:picMkLst>
+            <pc:docMk/>
+            <pc:sldMk cId="3799506561" sldId="257"/>
+            <ac:picMk id="3" creationId="{29B1D64C-859F-09CA-6A02-6AA405702D21}"/>
+          </ac:picMkLst>
+        </pc:picChg>
+        <pc:picChg chg="add del">
+          <ac:chgData name="Wilona Nguyen" userId="9c55e0c3f172c613" providerId="LiveId" clId="{358A6438-66E1-4750-8344-428E29BFBE55}" dt="2025-02-21T03:08:19.925" v="60" actId="478"/>
+          <ac:picMkLst>
+            <pc:docMk/>
+            <pc:sldMk cId="3799506561" sldId="257"/>
+            <ac:picMk id="5" creationId="{338C30A7-3D0E-E3D1-4D87-7CFA0C96273D}"/>
+          </ac:picMkLst>
+        </pc:picChg>
         <pc:picChg chg="add del">
           <ac:chgData name="Wilona Nguyen" userId="9c55e0c3f172c613" providerId="LiveId" clId="{358A6438-66E1-4750-8344-428E29BFBE55}" dt="2025-02-20T20:17:41.063" v="4" actId="478"/>
           <ac:picMkLst>
             <pc:docMk/>
             <pc:sldMk cId="3799506561" sldId="257"/>
             <ac:picMk id="6" creationId="{F61B7177-DBED-C39D-4150-ED0CA7049DB4}"/>
+          </ac:picMkLst>
+        </pc:picChg>
+        <pc:picChg chg="add del mod ord">
+          <ac:chgData name="Wilona Nguyen" userId="9c55e0c3f172c613" providerId="LiveId" clId="{358A6438-66E1-4750-8344-428E29BFBE55}" dt="2025-02-21T03:09:08.101" v="66" actId="478"/>
+          <ac:picMkLst>
+            <pc:docMk/>
+            <pc:sldMk cId="3799506561" sldId="257"/>
+            <ac:picMk id="7" creationId="{AD405B0E-FDAA-DCF1-ED69-2A8A3B55C668}"/>
           </ac:picMkLst>
         </pc:picChg>
         <pc:picChg chg="add del mod">
@@ -218,17 +258,65 @@
             <ac:picMk id="8" creationId="{692DAEFB-0A83-0850-23E7-5D5D4D8D47B2}"/>
           </ac:picMkLst>
         </pc:picChg>
-        <pc:picChg chg="add">
-          <ac:chgData name="Wilona Nguyen" userId="9c55e0c3f172c613" providerId="LiveId" clId="{358A6438-66E1-4750-8344-428E29BFBE55}" dt="2025-02-20T20:20:23.003" v="10" actId="22"/>
+        <pc:picChg chg="add mod">
+          <ac:chgData name="Wilona Nguyen" userId="9c55e0c3f172c613" providerId="LiveId" clId="{358A6438-66E1-4750-8344-428E29BFBE55}" dt="2025-02-21T03:14:16.013" v="100" actId="1076"/>
+          <ac:picMkLst>
+            <pc:docMk/>
+            <pc:sldMk cId="3799506561" sldId="257"/>
+            <ac:picMk id="9" creationId="{44329146-951B-AC95-67D0-7EEAC6711652}"/>
+          </ac:picMkLst>
+        </pc:picChg>
+        <pc:picChg chg="add del mod ord">
+          <ac:chgData name="Wilona Nguyen" userId="9c55e0c3f172c613" providerId="LiveId" clId="{358A6438-66E1-4750-8344-428E29BFBE55}" dt="2025-02-21T03:09:57.613" v="80" actId="478"/>
           <ac:picMkLst>
             <pc:docMk/>
             <pc:sldMk cId="3799506561" sldId="257"/>
             <ac:picMk id="10" creationId="{250BCACD-7F7D-BE33-4DD6-FC9FD819BF11}"/>
           </ac:picMkLst>
         </pc:picChg>
+        <pc:picChg chg="add mod">
+          <ac:chgData name="Wilona Nguyen" userId="9c55e0c3f172c613" providerId="LiveId" clId="{358A6438-66E1-4750-8344-428E29BFBE55}" dt="2025-02-21T03:14:18.419" v="101" actId="1076"/>
+          <ac:picMkLst>
+            <pc:docMk/>
+            <pc:sldMk cId="3799506561" sldId="257"/>
+            <ac:picMk id="12" creationId="{057964F3-948F-87F9-9A11-6B9DCAF89F02}"/>
+          </ac:picMkLst>
+        </pc:picChg>
+        <pc:picChg chg="add del mod">
+          <ac:chgData name="Wilona Nguyen" userId="9c55e0c3f172c613" providerId="LiveId" clId="{358A6438-66E1-4750-8344-428E29BFBE55}" dt="2025-02-21T03:10:55.121" v="88" actId="478"/>
+          <ac:picMkLst>
+            <pc:docMk/>
+            <pc:sldMk cId="3799506561" sldId="257"/>
+            <ac:picMk id="14" creationId="{FED027CC-CF02-2F6D-BA6F-A3AB02C08072}"/>
+          </ac:picMkLst>
+        </pc:picChg>
+        <pc:picChg chg="add del">
+          <ac:chgData name="Wilona Nguyen" userId="9c55e0c3f172c613" providerId="LiveId" clId="{358A6438-66E1-4750-8344-428E29BFBE55}" dt="2025-02-21T03:13:31.110" v="90" actId="478"/>
+          <ac:picMkLst>
+            <pc:docMk/>
+            <pc:sldMk cId="3799506561" sldId="257"/>
+            <ac:picMk id="17" creationId="{AA6649EA-CE56-BF46-360B-A93C82F7C515}"/>
+          </ac:picMkLst>
+        </pc:picChg>
+        <pc:picChg chg="add del">
+          <ac:chgData name="Wilona Nguyen" userId="9c55e0c3f172c613" providerId="LiveId" clId="{358A6438-66E1-4750-8344-428E29BFBE55}" dt="2025-02-21T03:13:42.742" v="92" actId="478"/>
+          <ac:picMkLst>
+            <pc:docMk/>
+            <pc:sldMk cId="3799506561" sldId="257"/>
+            <ac:picMk id="19" creationId="{C595BD41-633E-93DE-70CC-104E1F8E3A3F}"/>
+          </ac:picMkLst>
+        </pc:picChg>
+        <pc:picChg chg="add mod modCrop">
+          <ac:chgData name="Wilona Nguyen" userId="9c55e0c3f172c613" providerId="LiveId" clId="{358A6438-66E1-4750-8344-428E29BFBE55}" dt="2025-02-21T03:15:37.853" v="105" actId="1076"/>
+          <ac:picMkLst>
+            <pc:docMk/>
+            <pc:sldMk cId="3799506561" sldId="257"/>
+            <ac:picMk id="22" creationId="{F6F8431E-27FD-D943-C80A-A831A34543CF}"/>
+          </ac:picMkLst>
+        </pc:picChg>
       </pc:sldChg>
-      <pc:sldChg chg="addSp delSp add mod">
-        <pc:chgData name="Wilona Nguyen" userId="9c55e0c3f172c613" providerId="LiveId" clId="{358A6438-66E1-4750-8344-428E29BFBE55}" dt="2025-02-20T20:25:45.942" v="38" actId="22"/>
+      <pc:sldChg chg="addSp delSp modSp add mod setBg">
+        <pc:chgData name="Wilona Nguyen" userId="9c55e0c3f172c613" providerId="LiveId" clId="{358A6438-66E1-4750-8344-428E29BFBE55}" dt="2025-02-21T03:23:45.300" v="133" actId="14100"/>
         <pc:sldMkLst>
           <pc:docMk/>
           <pc:sldMk cId="3383230809" sldId="258"/>
@@ -249,8 +337,24 @@
             <ac:spMk id="3" creationId="{097C5158-39B5-7543-8377-D85775A5DE8A}"/>
           </ac:spMkLst>
         </pc:spChg>
-        <pc:picChg chg="add">
-          <ac:chgData name="Wilona Nguyen" userId="9c55e0c3f172c613" providerId="LiveId" clId="{358A6438-66E1-4750-8344-428E29BFBE55}" dt="2025-02-20T20:25:45.942" v="38" actId="22"/>
+        <pc:picChg chg="add mod">
+          <ac:chgData name="Wilona Nguyen" userId="9c55e0c3f172c613" providerId="LiveId" clId="{358A6438-66E1-4750-8344-428E29BFBE55}" dt="2025-02-21T03:23:21.758" v="128" actId="1076"/>
+          <ac:picMkLst>
+            <pc:docMk/>
+            <pc:sldMk cId="3383230809" sldId="258"/>
+            <ac:picMk id="3" creationId="{F3742F20-D145-E9D9-4E08-912C962AA96D}"/>
+          </ac:picMkLst>
+        </pc:picChg>
+        <pc:picChg chg="add mod">
+          <ac:chgData name="Wilona Nguyen" userId="9c55e0c3f172c613" providerId="LiveId" clId="{358A6438-66E1-4750-8344-428E29BFBE55}" dt="2025-02-21T03:23:45.300" v="133" actId="14100"/>
+          <ac:picMkLst>
+            <pc:docMk/>
+            <pc:sldMk cId="3383230809" sldId="258"/>
+            <ac:picMk id="4" creationId="{387E8FFD-D5D5-D039-E3D5-695BE0537D45}"/>
+          </ac:picMkLst>
+        </pc:picChg>
+        <pc:picChg chg="add mod ord">
+          <ac:chgData name="Wilona Nguyen" userId="9c55e0c3f172c613" providerId="LiveId" clId="{358A6438-66E1-4750-8344-428E29BFBE55}" dt="2025-02-21T03:23:17.021" v="125" actId="1076"/>
           <ac:picMkLst>
             <pc:docMk/>
             <pc:sldMk cId="3383230809" sldId="258"/>
@@ -258,15 +362,47 @@
           </ac:picMkLst>
         </pc:picChg>
       </pc:sldChg>
-      <pc:sldChg chg="add">
-        <pc:chgData name="Wilona Nguyen" userId="9c55e0c3f172c613" providerId="LiveId" clId="{358A6438-66E1-4750-8344-428E29BFBE55}" dt="2025-02-20T20:16:15.509" v="0"/>
+      <pc:sldChg chg="addSp delSp modSp add mod">
+        <pc:chgData name="Wilona Nguyen" userId="9c55e0c3f172c613" providerId="LiveId" clId="{358A6438-66E1-4750-8344-428E29BFBE55}" dt="2025-02-21T03:40:43.866" v="140" actId="1076"/>
         <pc:sldMkLst>
           <pc:docMk/>
           <pc:sldMk cId="1175666265" sldId="259"/>
         </pc:sldMkLst>
+        <pc:spChg chg="del">
+          <ac:chgData name="Wilona Nguyen" userId="9c55e0c3f172c613" providerId="LiveId" clId="{358A6438-66E1-4750-8344-428E29BFBE55}" dt="2025-02-21T03:32:43.268" v="134" actId="478"/>
+          <ac:spMkLst>
+            <pc:docMk/>
+            <pc:sldMk cId="1175666265" sldId="259"/>
+            <ac:spMk id="2" creationId="{C13C194B-1678-9EF6-8C6D-D7D6D40E7190}"/>
+          </ac:spMkLst>
+        </pc:spChg>
+        <pc:spChg chg="del">
+          <ac:chgData name="Wilona Nguyen" userId="9c55e0c3f172c613" providerId="LiveId" clId="{358A6438-66E1-4750-8344-428E29BFBE55}" dt="2025-02-21T03:32:44.344" v="135" actId="478"/>
+          <ac:spMkLst>
+            <pc:docMk/>
+            <pc:sldMk cId="1175666265" sldId="259"/>
+            <ac:spMk id="3" creationId="{B1556BAD-88F4-9104-E3FA-030AF9DA6D9B}"/>
+          </ac:spMkLst>
+        </pc:spChg>
+        <pc:picChg chg="add del mod">
+          <ac:chgData name="Wilona Nguyen" userId="9c55e0c3f172c613" providerId="LiveId" clId="{358A6438-66E1-4750-8344-428E29BFBE55}" dt="2025-02-21T03:35:50.797" v="138" actId="478"/>
+          <ac:picMkLst>
+            <pc:docMk/>
+            <pc:sldMk cId="1175666265" sldId="259"/>
+            <ac:picMk id="5" creationId="{94317928-0928-E6D5-FF43-0A45D59845FD}"/>
+          </ac:picMkLst>
+        </pc:picChg>
+        <pc:picChg chg="add mod">
+          <ac:chgData name="Wilona Nguyen" userId="9c55e0c3f172c613" providerId="LiveId" clId="{358A6438-66E1-4750-8344-428E29BFBE55}" dt="2025-02-21T03:40:43.866" v="140" actId="1076"/>
+          <ac:picMkLst>
+            <pc:docMk/>
+            <pc:sldMk cId="1175666265" sldId="259"/>
+            <ac:picMk id="7" creationId="{23F6B53C-7CFC-1AC6-65EC-87C23C81B260}"/>
+          </ac:picMkLst>
+        </pc:picChg>
       </pc:sldChg>
-      <pc:sldChg chg="addSp delSp modSp add mod">
-        <pc:chgData name="Wilona Nguyen" userId="9c55e0c3f172c613" providerId="LiveId" clId="{358A6438-66E1-4750-8344-428E29BFBE55}" dt="2025-02-20T20:21:58.102" v="14" actId="22"/>
+      <pc:sldChg chg="addSp delSp modSp add mod setBg">
+        <pc:chgData name="Wilona Nguyen" userId="9c55e0c3f172c613" providerId="LiveId" clId="{358A6438-66E1-4750-8344-428E29BFBE55}" dt="2025-02-21T03:22:08.455" v="123" actId="1076"/>
         <pc:sldMkLst>
           <pc:docMk/>
           <pc:sldMk cId="3495596678" sldId="260"/>
@@ -295,12 +431,36 @@
             <ac:graphicFrameMk id="11" creationId="{DB0613FA-EE40-2710-FCE0-60EC5DAE820B}"/>
           </ac:graphicFrameMkLst>
         </pc:graphicFrameChg>
-        <pc:picChg chg="add">
-          <ac:chgData name="Wilona Nguyen" userId="9c55e0c3f172c613" providerId="LiveId" clId="{358A6438-66E1-4750-8344-428E29BFBE55}" dt="2025-02-20T20:21:58.102" v="14" actId="22"/>
+        <pc:picChg chg="add mod">
+          <ac:chgData name="Wilona Nguyen" userId="9c55e0c3f172c613" providerId="LiveId" clId="{358A6438-66E1-4750-8344-428E29BFBE55}" dt="2025-02-21T03:22:08.455" v="123" actId="1076"/>
+          <ac:picMkLst>
+            <pc:docMk/>
+            <pc:sldMk cId="3495596678" sldId="260"/>
+            <ac:picMk id="3" creationId="{4DF4AC11-8EFB-660F-5114-7EC21C029E0F}"/>
+          </ac:picMkLst>
+        </pc:picChg>
+        <pc:picChg chg="add mod">
+          <ac:chgData name="Wilona Nguyen" userId="9c55e0c3f172c613" providerId="LiveId" clId="{358A6438-66E1-4750-8344-428E29BFBE55}" dt="2025-02-21T03:22:01.921" v="121" actId="14100"/>
+          <ac:picMkLst>
+            <pc:docMk/>
+            <pc:sldMk cId="3495596678" sldId="260"/>
+            <ac:picMk id="4" creationId="{80A4106A-CA73-0D75-4EAD-B4AE46B61529}"/>
+          </ac:picMkLst>
+        </pc:picChg>
+        <pc:picChg chg="add del mod ord modCrop">
+          <ac:chgData name="Wilona Nguyen" userId="9c55e0c3f172c613" providerId="LiveId" clId="{358A6438-66E1-4750-8344-428E29BFBE55}" dt="2025-02-21T03:17:26.908" v="106" actId="478"/>
           <ac:picMkLst>
             <pc:docMk/>
             <pc:sldMk cId="3495596678" sldId="260"/>
             <ac:picMk id="6" creationId="{7F0E5F47-0D27-ED1E-A0E4-C3E609DEDF7F}"/>
+          </ac:picMkLst>
+        </pc:picChg>
+        <pc:picChg chg="add mod modCrop">
+          <ac:chgData name="Wilona Nguyen" userId="9c55e0c3f172c613" providerId="LiveId" clId="{358A6438-66E1-4750-8344-428E29BFBE55}" dt="2025-02-21T03:22:05.778" v="122" actId="1076"/>
+          <ac:picMkLst>
+            <pc:docMk/>
+            <pc:sldMk cId="3495596678" sldId="260"/>
+            <ac:picMk id="7" creationId="{1529AB5F-B319-6391-8F2E-D0F1898E9DF3}"/>
           </ac:picMkLst>
         </pc:picChg>
       </pc:sldChg>
@@ -3832,6 +3992,14 @@
 <file path=ppt/slides/slide2.xml><?xml version="1.0" encoding="utf-8"?>
 <p:sld xmlns:a="http://schemas.openxmlformats.org/drawingml/2006/main" xmlns:r="http://schemas.openxmlformats.org/officeDocument/2006/relationships" xmlns:p="http://schemas.openxmlformats.org/presentationml/2006/main">
   <p:cSld>
+    <p:bg>
+      <p:bgPr>
+        <a:solidFill>
+          <a:schemeClr val="bg1"/>
+        </a:solidFill>
+        <a:effectLst/>
+      </p:bgPr>
+    </p:bg>
     <p:spTree>
       <p:nvGrpSpPr>
         <p:cNvPr id="1" name=""/>
@@ -3846,12 +4014,166 @@
           <a:chExt cx="0" cy="0"/>
         </a:xfrm>
       </p:grpSpPr>
+      <p:sp useBgFill="1">
+        <p:nvSpPr>
+          <p:cNvPr id="20" name="Rectangle 19">
+            <a:extLst>
+              <a:ext uri="{FF2B5EF4-FFF2-40B4-BE49-F238E27FC236}">
+                <a16:creationId xmlns:a16="http://schemas.microsoft.com/office/drawing/2014/main" id="{42A4FC2C-047E-45A5-965D-8E1E3BF09BC6}"/>
+              </a:ext>
+              <a:ext uri="{C183D7F6-B498-43B3-948B-1728B52AA6E4}">
+                <adec:decorative xmlns:adec="http://schemas.microsoft.com/office/drawing/2017/decorative" val="1"/>
+              </a:ext>
+            </a:extLst>
+          </p:cNvPr>
+          <p:cNvSpPr>
+            <a:spLocks noGrp="1" noRot="1" noChangeAspect="1" noMove="1" noResize="1" noEditPoints="1" noAdjustHandles="1" noChangeArrowheads="1" noChangeShapeType="1" noTextEdit="1"/>
+          </p:cNvSpPr>
+          <p:nvPr>
+            <p:extLst>
+              <p:ext uri="{386F3935-93C4-4BCD-93E2-E3B085C9AB24}">
+                <p16:designElem xmlns:p16="http://schemas.microsoft.com/office/powerpoint/2015/main" val="1"/>
+              </p:ext>
+            </p:extLst>
+          </p:nvPr>
+        </p:nvSpPr>
+        <p:spPr bwMode="white">
+          <a:xfrm>
+            <a:off x="1524" y="0"/>
+            <a:ext cx="12188952" cy="6858000"/>
+          </a:xfrm>
+          <a:prstGeom prst="rect">
+            <a:avLst/>
+          </a:prstGeom>
+          <a:ln>
+            <a:noFill/>
+          </a:ln>
+        </p:spPr>
+        <p:style>
+          <a:lnRef idx="2">
+            <a:schemeClr val="accent1">
+              <a:shade val="50000"/>
+            </a:schemeClr>
+          </a:lnRef>
+          <a:fillRef idx="1">
+            <a:schemeClr val="accent1"/>
+          </a:fillRef>
+          <a:effectRef idx="0">
+            <a:schemeClr val="accent1"/>
+          </a:effectRef>
+          <a:fontRef idx="minor">
+            <a:schemeClr val="lt1"/>
+          </a:fontRef>
+        </p:style>
+        <p:txBody>
+          <a:bodyPr rtlCol="0" anchor="ctr"/>
+          <a:lstStyle>
+            <a:defPPr>
+              <a:defRPr lang="en-US"/>
+            </a:defPPr>
+            <a:lvl1pPr marL="0" algn="l" defTabSz="914400" rtl="0" eaLnBrk="1" latinLnBrk="0" hangingPunct="1">
+              <a:defRPr sz="1800" kern="1200">
+                <a:solidFill>
+                  <a:schemeClr val="lt1"/>
+                </a:solidFill>
+                <a:latin typeface="+mn-lt"/>
+                <a:ea typeface="+mn-ea"/>
+                <a:cs typeface="+mn-cs"/>
+              </a:defRPr>
+            </a:lvl1pPr>
+            <a:lvl2pPr marL="457200" algn="l" defTabSz="914400" rtl="0" eaLnBrk="1" latinLnBrk="0" hangingPunct="1">
+              <a:defRPr sz="1800" kern="1200">
+                <a:solidFill>
+                  <a:schemeClr val="lt1"/>
+                </a:solidFill>
+                <a:latin typeface="+mn-lt"/>
+                <a:ea typeface="+mn-ea"/>
+                <a:cs typeface="+mn-cs"/>
+              </a:defRPr>
+            </a:lvl2pPr>
+            <a:lvl3pPr marL="914400" algn="l" defTabSz="914400" rtl="0" eaLnBrk="1" latinLnBrk="0" hangingPunct="1">
+              <a:defRPr sz="1800" kern="1200">
+                <a:solidFill>
+                  <a:schemeClr val="lt1"/>
+                </a:solidFill>
+                <a:latin typeface="+mn-lt"/>
+                <a:ea typeface="+mn-ea"/>
+                <a:cs typeface="+mn-cs"/>
+              </a:defRPr>
+            </a:lvl3pPr>
+            <a:lvl4pPr marL="1371600" algn="l" defTabSz="914400" rtl="0" eaLnBrk="1" latinLnBrk="0" hangingPunct="1">
+              <a:defRPr sz="1800" kern="1200">
+                <a:solidFill>
+                  <a:schemeClr val="lt1"/>
+                </a:solidFill>
+                <a:latin typeface="+mn-lt"/>
+                <a:ea typeface="+mn-ea"/>
+                <a:cs typeface="+mn-cs"/>
+              </a:defRPr>
+            </a:lvl4pPr>
+            <a:lvl5pPr marL="1828800" algn="l" defTabSz="914400" rtl="0" eaLnBrk="1" latinLnBrk="0" hangingPunct="1">
+              <a:defRPr sz="1800" kern="1200">
+                <a:solidFill>
+                  <a:schemeClr val="lt1"/>
+                </a:solidFill>
+                <a:latin typeface="+mn-lt"/>
+                <a:ea typeface="+mn-ea"/>
+                <a:cs typeface="+mn-cs"/>
+              </a:defRPr>
+            </a:lvl5pPr>
+            <a:lvl6pPr marL="2286000" algn="l" defTabSz="914400" rtl="0" eaLnBrk="1" latinLnBrk="0" hangingPunct="1">
+              <a:defRPr sz="1800" kern="1200">
+                <a:solidFill>
+                  <a:schemeClr val="lt1"/>
+                </a:solidFill>
+                <a:latin typeface="+mn-lt"/>
+                <a:ea typeface="+mn-ea"/>
+                <a:cs typeface="+mn-cs"/>
+              </a:defRPr>
+            </a:lvl6pPr>
+            <a:lvl7pPr marL="2743200" algn="l" defTabSz="914400" rtl="0" eaLnBrk="1" latinLnBrk="0" hangingPunct="1">
+              <a:defRPr sz="1800" kern="1200">
+                <a:solidFill>
+                  <a:schemeClr val="lt1"/>
+                </a:solidFill>
+                <a:latin typeface="+mn-lt"/>
+                <a:ea typeface="+mn-ea"/>
+                <a:cs typeface="+mn-cs"/>
+              </a:defRPr>
+            </a:lvl7pPr>
+            <a:lvl8pPr marL="3200400" algn="l" defTabSz="914400" rtl="0" eaLnBrk="1" latinLnBrk="0" hangingPunct="1">
+              <a:defRPr sz="1800" kern="1200">
+                <a:solidFill>
+                  <a:schemeClr val="lt1"/>
+                </a:solidFill>
+                <a:latin typeface="+mn-lt"/>
+                <a:ea typeface="+mn-ea"/>
+                <a:cs typeface="+mn-cs"/>
+              </a:defRPr>
+            </a:lvl8pPr>
+            <a:lvl9pPr marL="3657600" algn="l" defTabSz="914400" rtl="0" eaLnBrk="1" latinLnBrk="0" hangingPunct="1">
+              <a:defRPr sz="1800" kern="1200">
+                <a:solidFill>
+                  <a:schemeClr val="lt1"/>
+                </a:solidFill>
+                <a:latin typeface="+mn-lt"/>
+                <a:ea typeface="+mn-ea"/>
+                <a:cs typeface="+mn-cs"/>
+              </a:defRPr>
+            </a:lvl9pPr>
+          </a:lstStyle>
+          <a:p>
+            <a:pPr algn="ctr"/>
+            <a:endParaRPr lang="en-US"/>
+          </a:p>
+        </p:txBody>
+      </p:sp>
       <p:pic>
         <p:nvPicPr>
-          <p:cNvPr id="10" name="Picture 9">
-            <a:extLst>
-              <a:ext uri="{FF2B5EF4-FFF2-40B4-BE49-F238E27FC236}">
-                <a16:creationId xmlns:a16="http://schemas.microsoft.com/office/drawing/2014/main" id="{250BCACD-7F7D-BE33-4DD6-FC9FD819BF11}"/>
+          <p:cNvPr id="9" name="Picture 8">
+            <a:extLst>
+              <a:ext uri="{FF2B5EF4-FFF2-40B4-BE49-F238E27FC236}">
+                <a16:creationId xmlns:a16="http://schemas.microsoft.com/office/drawing/2014/main" id="{44329146-951B-AC95-67D0-7EEAC6711652}"/>
               </a:ext>
             </a:extLst>
           </p:cNvPr>
@@ -3868,8 +4190,67 @@
         </p:blipFill>
         <p:spPr>
           <a:xfrm>
-            <a:off x="1228045" y="971207"/>
-            <a:ext cx="9735909" cy="4915586"/>
+            <a:off x="173172" y="883644"/>
+            <a:ext cx="6169289" cy="4493018"/>
+          </a:xfrm>
+          <a:prstGeom prst="rect">
+            <a:avLst/>
+          </a:prstGeom>
+        </p:spPr>
+      </p:pic>
+      <p:pic>
+        <p:nvPicPr>
+          <p:cNvPr id="12" name="Picture 11">
+            <a:extLst>
+              <a:ext uri="{FF2B5EF4-FFF2-40B4-BE49-F238E27FC236}">
+                <a16:creationId xmlns:a16="http://schemas.microsoft.com/office/drawing/2014/main" id="{057964F3-948F-87F9-9A11-6B9DCAF89F02}"/>
+              </a:ext>
+            </a:extLst>
+          </p:cNvPr>
+          <p:cNvPicPr>
+            <a:picLocks noChangeAspect="1"/>
+          </p:cNvPicPr>
+          <p:nvPr/>
+        </p:nvPicPr>
+        <p:blipFill>
+          <a:blip r:embed="rId3"/>
+          <a:stretch>
+            <a:fillRect/>
+          </a:stretch>
+        </p:blipFill>
+        <p:spPr>
+          <a:xfrm>
+            <a:off x="7032392" y="368831"/>
+            <a:ext cx="4468152" cy="3241380"/>
+          </a:xfrm>
+          <a:prstGeom prst="rect">
+            <a:avLst/>
+          </a:prstGeom>
+        </p:spPr>
+      </p:pic>
+      <p:pic>
+        <p:nvPicPr>
+          <p:cNvPr id="22" name="Picture 21">
+            <a:extLst>
+              <a:ext uri="{FF2B5EF4-FFF2-40B4-BE49-F238E27FC236}">
+                <a16:creationId xmlns:a16="http://schemas.microsoft.com/office/drawing/2014/main" id="{F6F8431E-27FD-D943-C80A-A831A34543CF}"/>
+              </a:ext>
+            </a:extLst>
+          </p:cNvPr>
+          <p:cNvPicPr>
+            <a:picLocks noChangeAspect="1"/>
+          </p:cNvPicPr>
+          <p:nvPr/>
+        </p:nvPicPr>
+        <p:blipFill>
+          <a:blip r:embed="rId4"/>
+          <a:srcRect t="2544" r="880"/>
+          <a:stretch/>
+        </p:blipFill>
+        <p:spPr>
+          <a:xfrm>
+            <a:off x="6342461" y="3800826"/>
+            <a:ext cx="5803518" cy="2937160"/>
           </a:xfrm>
           <a:prstGeom prst="rect">
             <a:avLst/>
@@ -3892,6 +4273,14 @@
 <file path=ppt/slides/slide3.xml><?xml version="1.0" encoding="utf-8"?>
 <p:sld xmlns:a="http://schemas.openxmlformats.org/drawingml/2006/main" xmlns:r="http://schemas.openxmlformats.org/officeDocument/2006/relationships" xmlns:p="http://schemas.openxmlformats.org/presentationml/2006/main">
   <p:cSld>
+    <p:bg>
+      <p:bgPr>
+        <a:solidFill>
+          <a:schemeClr val="bg1"/>
+        </a:solidFill>
+        <a:effectLst/>
+      </p:bgPr>
+    </p:bg>
     <p:spTree>
       <p:nvGrpSpPr>
         <p:cNvPr id="1" name="">
@@ -3914,10 +4303,10 @@
       </p:grpSpPr>
       <p:pic>
         <p:nvPicPr>
-          <p:cNvPr id="6" name="Picture 5">
-            <a:extLst>
-              <a:ext uri="{FF2B5EF4-FFF2-40B4-BE49-F238E27FC236}">
-                <a16:creationId xmlns:a16="http://schemas.microsoft.com/office/drawing/2014/main" id="{7F0E5F47-0D27-ED1E-A0E4-C3E609DEDF7F}"/>
+          <p:cNvPr id="3" name="Picture 2">
+            <a:extLst>
+              <a:ext uri="{FF2B5EF4-FFF2-40B4-BE49-F238E27FC236}">
+                <a16:creationId xmlns:a16="http://schemas.microsoft.com/office/drawing/2014/main" id="{4DF4AC11-8EFB-660F-5114-7EC21C029E0F}"/>
               </a:ext>
             </a:extLst>
           </p:cNvPr>
@@ -3934,8 +4323,67 @@
         </p:blipFill>
         <p:spPr>
           <a:xfrm>
-            <a:off x="1170887" y="999786"/>
-            <a:ext cx="9850225" cy="4858428"/>
+            <a:off x="7206865" y="188597"/>
+            <a:ext cx="4579083" cy="3365626"/>
+          </a:xfrm>
+          <a:prstGeom prst="rect">
+            <a:avLst/>
+          </a:prstGeom>
+        </p:spPr>
+      </p:pic>
+      <p:pic>
+        <p:nvPicPr>
+          <p:cNvPr id="4" name="Picture 3">
+            <a:extLst>
+              <a:ext uri="{FF2B5EF4-FFF2-40B4-BE49-F238E27FC236}">
+                <a16:creationId xmlns:a16="http://schemas.microsoft.com/office/drawing/2014/main" id="{80A4106A-CA73-0D75-4EAD-B4AE46B61529}"/>
+              </a:ext>
+            </a:extLst>
+          </p:cNvPr>
+          <p:cNvPicPr>
+            <a:picLocks noChangeAspect="1"/>
+          </p:cNvPicPr>
+          <p:nvPr/>
+        </p:nvPicPr>
+        <p:blipFill>
+          <a:blip r:embed="rId3"/>
+          <a:stretch>
+            <a:fillRect/>
+          </a:stretch>
+        </p:blipFill>
+        <p:spPr>
+          <a:xfrm>
+            <a:off x="148427" y="1171087"/>
+            <a:ext cx="6222278" cy="4447721"/>
+          </a:xfrm>
+          <a:prstGeom prst="rect">
+            <a:avLst/>
+          </a:prstGeom>
+        </p:spPr>
+      </p:pic>
+      <p:pic>
+        <p:nvPicPr>
+          <p:cNvPr id="7" name="Picture 6">
+            <a:extLst>
+              <a:ext uri="{FF2B5EF4-FFF2-40B4-BE49-F238E27FC236}">
+                <a16:creationId xmlns:a16="http://schemas.microsoft.com/office/drawing/2014/main" id="{1529AB5F-B319-6391-8F2E-D0F1898E9DF3}"/>
+              </a:ext>
+            </a:extLst>
+          </p:cNvPr>
+          <p:cNvPicPr>
+            <a:picLocks noChangeAspect="1"/>
+          </p:cNvPicPr>
+          <p:nvPr/>
+        </p:nvPicPr>
+        <p:blipFill>
+          <a:blip r:embed="rId4"/>
+          <a:srcRect r="1523"/>
+          <a:stretch/>
+        </p:blipFill>
+        <p:spPr>
+          <a:xfrm>
+            <a:off x="6519132" y="3651327"/>
+            <a:ext cx="5672868" cy="2938746"/>
           </a:xfrm>
           <a:prstGeom prst="rect">
             <a:avLst/>
@@ -3958,6 +4406,14 @@
 <file path=ppt/slides/slide4.xml><?xml version="1.0" encoding="utf-8"?>
 <p:sld xmlns:a="http://schemas.openxmlformats.org/drawingml/2006/main" xmlns:r="http://schemas.openxmlformats.org/officeDocument/2006/relationships" xmlns:p="http://schemas.openxmlformats.org/presentationml/2006/main">
   <p:cSld>
+    <p:bg>
+      <p:bgPr>
+        <a:solidFill>
+          <a:schemeClr val="bg1"/>
+        </a:solidFill>
+        <a:effectLst/>
+      </p:bgPr>
+    </p:bg>
     <p:spTree>
       <p:nvGrpSpPr>
         <p:cNvPr id="1" name=""/>
@@ -3974,10 +4430,10 @@
       </p:grpSpPr>
       <p:pic>
         <p:nvPicPr>
-          <p:cNvPr id="5" name="Picture 4">
-            <a:extLst>
-              <a:ext uri="{FF2B5EF4-FFF2-40B4-BE49-F238E27FC236}">
-                <a16:creationId xmlns:a16="http://schemas.microsoft.com/office/drawing/2014/main" id="{2B4F03E4-DCE5-B9FC-E257-F5C75ECD43B2}"/>
+          <p:cNvPr id="3" name="Picture 2">
+            <a:extLst>
+              <a:ext uri="{FF2B5EF4-FFF2-40B4-BE49-F238E27FC236}">
+                <a16:creationId xmlns:a16="http://schemas.microsoft.com/office/drawing/2014/main" id="{F3742F20-D145-E9D9-4E08-912C962AA96D}"/>
               </a:ext>
             </a:extLst>
           </p:cNvPr>
@@ -3994,8 +4450,68 @@
         </p:blipFill>
         <p:spPr>
           <a:xfrm>
-            <a:off x="1404283" y="899759"/>
-            <a:ext cx="9383434" cy="5058481"/>
+            <a:off x="6963346" y="219944"/>
+            <a:ext cx="4867209" cy="3419214"/>
+          </a:xfrm>
+          <a:prstGeom prst="rect">
+            <a:avLst/>
+          </a:prstGeom>
+        </p:spPr>
+      </p:pic>
+      <p:pic>
+        <p:nvPicPr>
+          <p:cNvPr id="5" name="Picture 4">
+            <a:extLst>
+              <a:ext uri="{FF2B5EF4-FFF2-40B4-BE49-F238E27FC236}">
+                <a16:creationId xmlns:a16="http://schemas.microsoft.com/office/drawing/2014/main" id="{2B4F03E4-DCE5-B9FC-E257-F5C75ECD43B2}"/>
+              </a:ext>
+            </a:extLst>
+          </p:cNvPr>
+          <p:cNvPicPr>
+            <a:picLocks noChangeAspect="1"/>
+          </p:cNvPicPr>
+          <p:nvPr/>
+        </p:nvPicPr>
+        <p:blipFill>
+          <a:blip r:embed="rId3"/>
+          <a:stretch>
+            <a:fillRect/>
+          </a:stretch>
+        </p:blipFill>
+        <p:spPr>
+          <a:xfrm>
+            <a:off x="6376524" y="3661645"/>
+            <a:ext cx="5511874" cy="2976411"/>
+          </a:xfrm>
+          <a:prstGeom prst="rect">
+            <a:avLst/>
+          </a:prstGeom>
+        </p:spPr>
+      </p:pic>
+      <p:pic>
+        <p:nvPicPr>
+          <p:cNvPr id="4" name="Picture 3">
+            <a:extLst>
+              <a:ext uri="{FF2B5EF4-FFF2-40B4-BE49-F238E27FC236}">
+                <a16:creationId xmlns:a16="http://schemas.microsoft.com/office/drawing/2014/main" id="{387E8FFD-D5D5-D039-E3D5-695BE0537D45}"/>
+              </a:ext>
+            </a:extLst>
+          </p:cNvPr>
+          <p:cNvPicPr>
+            <a:picLocks noChangeAspect="1"/>
+          </p:cNvPicPr>
+          <p:nvPr/>
+        </p:nvPicPr>
+        <p:blipFill>
+          <a:blip r:embed="rId4"/>
+          <a:stretch>
+            <a:fillRect/>
+          </a:stretch>
+        </p:blipFill>
+        <p:spPr>
+          <a:xfrm>
+            <a:off x="123407" y="1110376"/>
+            <a:ext cx="6253117" cy="4420702"/>
           </a:xfrm>
           <a:prstGeom prst="rect">
             <a:avLst/>
@@ -4032,56 +4548,36 @@
           <a:chExt cx="0" cy="0"/>
         </a:xfrm>
       </p:grpSpPr>
-      <p:sp>
-        <p:nvSpPr>
-          <p:cNvPr id="2" name="Title 1">
-            <a:extLst>
-              <a:ext uri="{FF2B5EF4-FFF2-40B4-BE49-F238E27FC236}">
-                <a16:creationId xmlns:a16="http://schemas.microsoft.com/office/drawing/2014/main" id="{C13C194B-1678-9EF6-8C6D-D7D6D40E7190}"/>
-              </a:ext>
-            </a:extLst>
-          </p:cNvPr>
-          <p:cNvSpPr>
-            <a:spLocks noGrp="1"/>
-          </p:cNvSpPr>
-          <p:nvPr>
-            <p:ph type="title"/>
-          </p:nvPr>
-        </p:nvSpPr>
-        <p:spPr/>
-        <p:txBody>
-          <a:bodyPr/>
-          <a:lstStyle/>
-          <a:p>
-            <a:endParaRPr lang="en-US"/>
-          </a:p>
-        </p:txBody>
-      </p:sp>
-      <p:sp>
-        <p:nvSpPr>
-          <p:cNvPr id="3" name="Content Placeholder 2">
-            <a:extLst>
-              <a:ext uri="{FF2B5EF4-FFF2-40B4-BE49-F238E27FC236}">
-                <a16:creationId xmlns:a16="http://schemas.microsoft.com/office/drawing/2014/main" id="{B1556BAD-88F4-9104-E3FA-030AF9DA6D9B}"/>
-              </a:ext>
-            </a:extLst>
-          </p:cNvPr>
-          <p:cNvSpPr>
-            <a:spLocks noGrp="1"/>
-          </p:cNvSpPr>
-          <p:nvPr>
-            <p:ph idx="1"/>
-          </p:nvPr>
-        </p:nvSpPr>
-        <p:spPr/>
-        <p:txBody>
-          <a:bodyPr/>
-          <a:lstStyle/>
-          <a:p>
-            <a:endParaRPr lang="en-US"/>
-          </a:p>
-        </p:txBody>
-      </p:sp>
+      <p:pic>
+        <p:nvPicPr>
+          <p:cNvPr id="7" name="Picture 6">
+            <a:extLst>
+              <a:ext uri="{FF2B5EF4-FFF2-40B4-BE49-F238E27FC236}">
+                <a16:creationId xmlns:a16="http://schemas.microsoft.com/office/drawing/2014/main" id="{23F6B53C-7CFC-1AC6-65EC-87C23C81B260}"/>
+              </a:ext>
+            </a:extLst>
+          </p:cNvPr>
+          <p:cNvPicPr>
+            <a:picLocks noChangeAspect="1"/>
+          </p:cNvPicPr>
+          <p:nvPr/>
+        </p:nvPicPr>
+        <p:blipFill>
+          <a:blip r:embed="rId2"/>
+          <a:stretch>
+            <a:fillRect/>
+          </a:stretch>
+        </p:blipFill>
+        <p:spPr>
+          <a:xfrm>
+            <a:off x="721584" y="475838"/>
+            <a:ext cx="10898121" cy="5906324"/>
+          </a:xfrm>
+          <a:prstGeom prst="rect">
+            <a:avLst/>
+          </a:prstGeom>
+        </p:spPr>
+      </p:pic>
     </p:spTree>
     <p:extLst>
       <p:ext uri="{BB962C8B-B14F-4D97-AF65-F5344CB8AC3E}">

--- a/Final Poject/Proposal - Draft Dashboard.pptx
+++ b/Final Poject/Proposal - Draft Dashboard.pptx
@@ -10,6 +10,7 @@
     <p:sldId id="260" r:id="rId4"/>
     <p:sldId id="258" r:id="rId5"/>
     <p:sldId id="259" r:id="rId6"/>
+    <p:sldId id="261" r:id="rId7"/>
   </p:sldIdLst>
   <p:sldSz cx="12192000" cy="6858000"/>
   <p:notesSz cx="6858000" cy="9144000"/>
@@ -119,7 +120,7 @@
 <file path=ppt/revisionInfo.xml><?xml version="1.0" encoding="utf-8"?>
 <p1510:revInfo xmlns:a="http://schemas.openxmlformats.org/drawingml/2006/main" xmlns:r="http://schemas.openxmlformats.org/officeDocument/2006/relationships" xmlns:p1510="http://schemas.microsoft.com/office/powerpoint/2015/10/main">
   <p1510:revLst>
-    <p1510:client id="{358A6438-66E1-4750-8344-428E29BFBE55}" v="6" dt="2025-02-20T20:25:36.825"/>
+    <p1510:client id="{358A6438-66E1-4750-8344-428E29BFBE55}" v="12" dt="2025-02-21T19:00:39.012"/>
   </p1510:revLst>
 </p1510:revInfo>
 </file>
@@ -129,16 +130,24 @@
   <pc:docChgLst>
     <pc:chgData name="Wilona Nguyen" userId="9c55e0c3f172c613" providerId="LiveId" clId="{358A6438-66E1-4750-8344-428E29BFBE55}"/>
     <pc:docChg chg="undo custSel addSld modSld">
-      <pc:chgData name="Wilona Nguyen" userId="9c55e0c3f172c613" providerId="LiveId" clId="{358A6438-66E1-4750-8344-428E29BFBE55}" dt="2025-02-21T03:40:43.866" v="140" actId="1076"/>
+      <pc:chgData name="Wilona Nguyen" userId="9c55e0c3f172c613" providerId="LiveId" clId="{358A6438-66E1-4750-8344-428E29BFBE55}" dt="2025-02-21T19:00:20.797" v="233" actId="1076"/>
       <pc:docMkLst>
         <pc:docMk/>
       </pc:docMkLst>
       <pc:sldChg chg="addSp modSp add mod">
-        <pc:chgData name="Wilona Nguyen" userId="9c55e0c3f172c613" providerId="LiveId" clId="{358A6438-66E1-4750-8344-428E29BFBE55}" dt="2025-02-20T20:25:26.502" v="37" actId="20577"/>
+        <pc:chgData name="Wilona Nguyen" userId="9c55e0c3f172c613" providerId="LiveId" clId="{358A6438-66E1-4750-8344-428E29BFBE55}" dt="2025-02-21T18:59:21.045" v="228" actId="20577"/>
         <pc:sldMkLst>
           <pc:docMk/>
           <pc:sldMk cId="1217860718" sldId="256"/>
         </pc:sldMkLst>
+        <pc:spChg chg="add mod">
+          <ac:chgData name="Wilona Nguyen" userId="9c55e0c3f172c613" providerId="LiveId" clId="{358A6438-66E1-4750-8344-428E29BFBE55}" dt="2025-02-21T17:31:50.669" v="142"/>
+          <ac:spMkLst>
+            <pc:docMk/>
+            <pc:sldMk cId="1217860718" sldId="256"/>
+            <ac:spMk id="2" creationId="{67904BED-6D63-3D19-44FB-AEE045CB47DA}"/>
+          </ac:spMkLst>
+        </pc:spChg>
         <pc:spChg chg="add mod">
           <ac:chgData name="Wilona Nguyen" userId="9c55e0c3f172c613" providerId="LiveId" clId="{358A6438-66E1-4750-8344-428E29BFBE55}" dt="2025-02-20T20:25:18.420" v="19"/>
           <ac:spMkLst>
@@ -156,6 +165,14 @@
           </ac:spMkLst>
         </pc:spChg>
         <pc:spChg chg="add mod">
+          <ac:chgData name="Wilona Nguyen" userId="9c55e0c3f172c613" providerId="LiveId" clId="{358A6438-66E1-4750-8344-428E29BFBE55}" dt="2025-02-21T17:31:50.669" v="142"/>
+          <ac:spMkLst>
+            <pc:docMk/>
+            <pc:sldMk cId="1217860718" sldId="256"/>
+            <ac:spMk id="3" creationId="{9AC89FD4-0F9D-5CAA-9EB0-6EC12CC3C615}"/>
+          </ac:spMkLst>
+        </pc:spChg>
+        <pc:spChg chg="add mod">
           <ac:chgData name="Wilona Nguyen" userId="9c55e0c3f172c613" providerId="LiveId" clId="{358A6438-66E1-4750-8344-428E29BFBE55}" dt="2025-02-20T20:25:21.894" v="21" actId="1076"/>
           <ac:spMkLst>
             <pc:docMk/>
@@ -169,6 +186,38 @@
             <pc:docMk/>
             <pc:sldMk cId="1217860718" sldId="256"/>
             <ac:spMk id="9" creationId="{544E4769-C84E-A8ED-C547-1BF9715C136C}"/>
+          </ac:spMkLst>
+        </pc:spChg>
+        <pc:spChg chg="add mod">
+          <ac:chgData name="Wilona Nguyen" userId="9c55e0c3f172c613" providerId="LiveId" clId="{358A6438-66E1-4750-8344-428E29BFBE55}" dt="2025-02-21T17:31:55.608" v="144" actId="1076"/>
+          <ac:spMkLst>
+            <pc:docMk/>
+            <pc:sldMk cId="1217860718" sldId="256"/>
+            <ac:spMk id="10" creationId="{5C584D67-CB22-B56C-6D8F-1B2A3727FCED}"/>
+          </ac:spMkLst>
+        </pc:spChg>
+        <pc:spChg chg="add mod">
+          <ac:chgData name="Wilona Nguyen" userId="9c55e0c3f172c613" providerId="LiveId" clId="{358A6438-66E1-4750-8344-428E29BFBE55}" dt="2025-02-21T17:33:30.247" v="171" actId="404"/>
+          <ac:spMkLst>
+            <pc:docMk/>
+            <pc:sldMk cId="1217860718" sldId="256"/>
+            <ac:spMk id="11" creationId="{913D8D05-A2CD-9F60-4D0E-416AD0E7C04C}"/>
+          </ac:spMkLst>
+        </pc:spChg>
+        <pc:spChg chg="add mod">
+          <ac:chgData name="Wilona Nguyen" userId="9c55e0c3f172c613" providerId="LiveId" clId="{358A6438-66E1-4750-8344-428E29BFBE55}" dt="2025-02-21T18:58:47.001" v="173" actId="1076"/>
+          <ac:spMkLst>
+            <pc:docMk/>
+            <pc:sldMk cId="1217860718" sldId="256"/>
+            <ac:spMk id="12" creationId="{FEE6D9F9-9EAF-83D7-860E-FF59B660CD8E}"/>
+          </ac:spMkLst>
+        </pc:spChg>
+        <pc:spChg chg="add mod">
+          <ac:chgData name="Wilona Nguyen" userId="9c55e0c3f172c613" providerId="LiveId" clId="{358A6438-66E1-4750-8344-428E29BFBE55}" dt="2025-02-21T18:59:21.045" v="228" actId="20577"/>
+          <ac:spMkLst>
+            <pc:docMk/>
+            <pc:sldMk cId="1217860718" sldId="256"/>
+            <ac:spMk id="13" creationId="{08755F3F-4CF0-944D-DFBB-0869D3A54D7A}"/>
           </ac:spMkLst>
         </pc:spChg>
       </pc:sldChg>
@@ -464,6 +513,37 @@
           </ac:picMkLst>
         </pc:picChg>
       </pc:sldChg>
+      <pc:sldChg chg="addSp delSp modSp new mod">
+        <pc:chgData name="Wilona Nguyen" userId="9c55e0c3f172c613" providerId="LiveId" clId="{358A6438-66E1-4750-8344-428E29BFBE55}" dt="2025-02-21T19:00:20.797" v="233" actId="1076"/>
+        <pc:sldMkLst>
+          <pc:docMk/>
+          <pc:sldMk cId="3549881800" sldId="261"/>
+        </pc:sldMkLst>
+        <pc:spChg chg="del">
+          <ac:chgData name="Wilona Nguyen" userId="9c55e0c3f172c613" providerId="LiveId" clId="{358A6438-66E1-4750-8344-428E29BFBE55}" dt="2025-02-21T18:59:41.737" v="230" actId="478"/>
+          <ac:spMkLst>
+            <pc:docMk/>
+            <pc:sldMk cId="3549881800" sldId="261"/>
+            <ac:spMk id="2" creationId="{6D3482C0-5E92-A0ED-075B-11A97656BEA6}"/>
+          </ac:spMkLst>
+        </pc:spChg>
+        <pc:spChg chg="del">
+          <ac:chgData name="Wilona Nguyen" userId="9c55e0c3f172c613" providerId="LiveId" clId="{358A6438-66E1-4750-8344-428E29BFBE55}" dt="2025-02-21T18:59:41.737" v="230" actId="478"/>
+          <ac:spMkLst>
+            <pc:docMk/>
+            <pc:sldMk cId="3549881800" sldId="261"/>
+            <ac:spMk id="3" creationId="{6AC1D832-596A-BEBE-FC56-3EDBFC083F66}"/>
+          </ac:spMkLst>
+        </pc:spChg>
+        <pc:picChg chg="add mod">
+          <ac:chgData name="Wilona Nguyen" userId="9c55e0c3f172c613" providerId="LiveId" clId="{358A6438-66E1-4750-8344-428E29BFBE55}" dt="2025-02-21T19:00:20.797" v="233" actId="1076"/>
+          <ac:picMkLst>
+            <pc:docMk/>
+            <pc:sldMk cId="3549881800" sldId="261"/>
+            <ac:picMk id="5" creationId="{B49F6C4C-A7A1-8336-EAF8-6663BE79BAC9}"/>
+          </ac:picMkLst>
+        </pc:picChg>
+      </pc:sldChg>
     </pc:docChg>
   </pc:docChgLst>
 </pc:chgInfo>
@@ -616,7 +696,7 @@
           <a:p>
             <a:fld id="{8BB63E6C-4E5E-4A13-941A-D6B96485C5C6}" type="datetimeFigureOut">
               <a:rPr lang="en-US" smtClean="0"/>
-              <a:t>2/20/2025</a:t>
+              <a:t>2/21/2025</a:t>
             </a:fld>
             <a:endParaRPr lang="en-US"/>
           </a:p>
@@ -814,7 +894,7 @@
           <a:p>
             <a:fld id="{8BB63E6C-4E5E-4A13-941A-D6B96485C5C6}" type="datetimeFigureOut">
               <a:rPr lang="en-US" smtClean="0"/>
-              <a:t>2/20/2025</a:t>
+              <a:t>2/21/2025</a:t>
             </a:fld>
             <a:endParaRPr lang="en-US"/>
           </a:p>
@@ -1022,7 +1102,7 @@
           <a:p>
             <a:fld id="{8BB63E6C-4E5E-4A13-941A-D6B96485C5C6}" type="datetimeFigureOut">
               <a:rPr lang="en-US" smtClean="0"/>
-              <a:t>2/20/2025</a:t>
+              <a:t>2/21/2025</a:t>
             </a:fld>
             <a:endParaRPr lang="en-US"/>
           </a:p>
@@ -1220,7 +1300,7 @@
           <a:p>
             <a:fld id="{8BB63E6C-4E5E-4A13-941A-D6B96485C5C6}" type="datetimeFigureOut">
               <a:rPr lang="en-US" smtClean="0"/>
-              <a:t>2/20/2025</a:t>
+              <a:t>2/21/2025</a:t>
             </a:fld>
             <a:endParaRPr lang="en-US"/>
           </a:p>
@@ -1495,7 +1575,7 @@
           <a:p>
             <a:fld id="{8BB63E6C-4E5E-4A13-941A-D6B96485C5C6}" type="datetimeFigureOut">
               <a:rPr lang="en-US" smtClean="0"/>
-              <a:t>2/20/2025</a:t>
+              <a:t>2/21/2025</a:t>
             </a:fld>
             <a:endParaRPr lang="en-US"/>
           </a:p>
@@ -1760,7 +1840,7 @@
           <a:p>
             <a:fld id="{8BB63E6C-4E5E-4A13-941A-D6B96485C5C6}" type="datetimeFigureOut">
               <a:rPr lang="en-US" smtClean="0"/>
-              <a:t>2/20/2025</a:t>
+              <a:t>2/21/2025</a:t>
             </a:fld>
             <a:endParaRPr lang="en-US"/>
           </a:p>
@@ -2172,7 +2252,7 @@
           <a:p>
             <a:fld id="{8BB63E6C-4E5E-4A13-941A-D6B96485C5C6}" type="datetimeFigureOut">
               <a:rPr lang="en-US" smtClean="0"/>
-              <a:t>2/20/2025</a:t>
+              <a:t>2/21/2025</a:t>
             </a:fld>
             <a:endParaRPr lang="en-US"/>
           </a:p>
@@ -2313,7 +2393,7 @@
           <a:p>
             <a:fld id="{8BB63E6C-4E5E-4A13-941A-D6B96485C5C6}" type="datetimeFigureOut">
               <a:rPr lang="en-US" smtClean="0"/>
-              <a:t>2/20/2025</a:t>
+              <a:t>2/21/2025</a:t>
             </a:fld>
             <a:endParaRPr lang="en-US"/>
           </a:p>
@@ -2426,7 +2506,7 @@
           <a:p>
             <a:fld id="{8BB63E6C-4E5E-4A13-941A-D6B96485C5C6}" type="datetimeFigureOut">
               <a:rPr lang="en-US" smtClean="0"/>
-              <a:t>2/20/2025</a:t>
+              <a:t>2/21/2025</a:t>
             </a:fld>
             <a:endParaRPr lang="en-US"/>
           </a:p>
@@ -2737,7 +2817,7 @@
           <a:p>
             <a:fld id="{8BB63E6C-4E5E-4A13-941A-D6B96485C5C6}" type="datetimeFigureOut">
               <a:rPr lang="en-US" smtClean="0"/>
-              <a:t>2/20/2025</a:t>
+              <a:t>2/21/2025</a:t>
             </a:fld>
             <a:endParaRPr lang="en-US"/>
           </a:p>
@@ -3025,7 +3105,7 @@
           <a:p>
             <a:fld id="{8BB63E6C-4E5E-4A13-941A-D6B96485C5C6}" type="datetimeFigureOut">
               <a:rPr lang="en-US" smtClean="0"/>
-              <a:t>2/20/2025</a:t>
+              <a:t>2/21/2025</a:t>
             </a:fld>
             <a:endParaRPr lang="en-US"/>
           </a:p>
@@ -3266,7 +3346,7 @@
           <a:p>
             <a:fld id="{8BB63E6C-4E5E-4A13-941A-D6B96485C5C6}" type="datetimeFigureOut">
               <a:rPr lang="en-US" smtClean="0"/>
-              <a:t>2/20/2025</a:t>
+              <a:t>2/21/2025</a:t>
             </a:fld>
             <a:endParaRPr lang="en-US"/>
           </a:p>
@@ -3976,6 +4056,202 @@
           </a:p>
         </p:txBody>
       </p:sp>
+      <p:sp>
+        <p:nvSpPr>
+          <p:cNvPr id="10" name="Rectangle: Rounded Corners 9">
+            <a:extLst>
+              <a:ext uri="{FF2B5EF4-FFF2-40B4-BE49-F238E27FC236}">
+                <a16:creationId xmlns:a16="http://schemas.microsoft.com/office/drawing/2014/main" id="{5C584D67-CB22-B56C-6D8F-1B2A3727FCED}"/>
+              </a:ext>
+            </a:extLst>
+          </p:cNvPr>
+          <p:cNvSpPr/>
+          <p:nvPr/>
+        </p:nvSpPr>
+        <p:spPr>
+          <a:xfrm>
+            <a:off x="5016759" y="3068532"/>
+            <a:ext cx="3564294" cy="1356049"/>
+          </a:xfrm>
+          <a:prstGeom prst="roundRect">
+            <a:avLst/>
+          </a:prstGeom>
+          <a:solidFill>
+            <a:schemeClr val="accent1">
+              <a:lumMod val="40000"/>
+              <a:lumOff val="60000"/>
+            </a:schemeClr>
+          </a:solidFill>
+          <a:ln>
+            <a:noFill/>
+          </a:ln>
+        </p:spPr>
+        <p:style>
+          <a:lnRef idx="2">
+            <a:schemeClr val="accent1">
+              <a:shade val="15000"/>
+            </a:schemeClr>
+          </a:lnRef>
+          <a:fillRef idx="1">
+            <a:schemeClr val="accent1"/>
+          </a:fillRef>
+          <a:effectRef idx="0">
+            <a:schemeClr val="accent1"/>
+          </a:effectRef>
+          <a:fontRef idx="minor">
+            <a:schemeClr val="lt1"/>
+          </a:fontRef>
+        </p:style>
+        <p:txBody>
+          <a:bodyPr rtlCol="0" anchor="ctr"/>
+          <a:lstStyle/>
+          <a:p>
+            <a:pPr algn="ctr"/>
+            <a:endParaRPr lang="en-US"/>
+          </a:p>
+        </p:txBody>
+      </p:sp>
+      <p:sp>
+        <p:nvSpPr>
+          <p:cNvPr id="11" name="TextBox 10">
+            <a:hlinkClick r:id="rId3" action="ppaction://hlinksldjump"/>
+            <a:extLst>
+              <a:ext uri="{FF2B5EF4-FFF2-40B4-BE49-F238E27FC236}">
+                <a16:creationId xmlns:a16="http://schemas.microsoft.com/office/drawing/2014/main" id="{913D8D05-A2CD-9F60-4D0E-416AD0E7C04C}"/>
+              </a:ext>
+            </a:extLst>
+          </p:cNvPr>
+          <p:cNvSpPr txBox="1"/>
+          <p:nvPr/>
+        </p:nvSpPr>
+        <p:spPr>
+          <a:xfrm>
+            <a:off x="5253188" y="3107217"/>
+            <a:ext cx="3091436" cy="1200329"/>
+          </a:xfrm>
+          <a:prstGeom prst="rect">
+            <a:avLst/>
+          </a:prstGeom>
+          <a:noFill/>
+        </p:spPr>
+        <p:txBody>
+          <a:bodyPr wrap="square" rtlCol="0">
+            <a:spAutoFit/>
+          </a:bodyPr>
+          <a:lstStyle/>
+          <a:p>
+            <a:pPr algn="ctr"/>
+            <a:r>
+              <a:rPr lang="en-US" sz="3600" dirty="0">
+                <a:latin typeface="Aptos ExtraBold" panose="020B0004020202020204" pitchFamily="34" charset="0"/>
+                <a:hlinkClick r:id="rId5" action="ppaction://hlinksldjump"/>
+              </a:rPr>
+              <a:t>Health Background</a:t>
+            </a:r>
+            <a:endParaRPr lang="en-US" sz="4000" dirty="0">
+              <a:latin typeface="Aptos ExtraBold" panose="020B0004020202020204" pitchFamily="34" charset="0"/>
+            </a:endParaRPr>
+          </a:p>
+        </p:txBody>
+      </p:sp>
+      <p:sp>
+        <p:nvSpPr>
+          <p:cNvPr id="12" name="Rectangle: Rounded Corners 11">
+            <a:extLst>
+              <a:ext uri="{FF2B5EF4-FFF2-40B4-BE49-F238E27FC236}">
+                <a16:creationId xmlns:a16="http://schemas.microsoft.com/office/drawing/2014/main" id="{FEE6D9F9-9EAF-83D7-860E-FF59B660CD8E}"/>
+              </a:ext>
+            </a:extLst>
+          </p:cNvPr>
+          <p:cNvSpPr/>
+          <p:nvPr/>
+        </p:nvSpPr>
+        <p:spPr>
+          <a:xfrm>
+            <a:off x="1119952" y="4811485"/>
+            <a:ext cx="3564294" cy="1356049"/>
+          </a:xfrm>
+          <a:prstGeom prst="roundRect">
+            <a:avLst/>
+          </a:prstGeom>
+          <a:solidFill>
+            <a:schemeClr val="accent1">
+              <a:lumMod val="40000"/>
+              <a:lumOff val="60000"/>
+            </a:schemeClr>
+          </a:solidFill>
+          <a:ln>
+            <a:noFill/>
+          </a:ln>
+        </p:spPr>
+        <p:style>
+          <a:lnRef idx="2">
+            <a:schemeClr val="accent1">
+              <a:shade val="15000"/>
+            </a:schemeClr>
+          </a:lnRef>
+          <a:fillRef idx="1">
+            <a:schemeClr val="accent1"/>
+          </a:fillRef>
+          <a:effectRef idx="0">
+            <a:schemeClr val="accent1"/>
+          </a:effectRef>
+          <a:fontRef idx="minor">
+            <a:schemeClr val="lt1"/>
+          </a:fontRef>
+        </p:style>
+        <p:txBody>
+          <a:bodyPr rtlCol="0" anchor="ctr"/>
+          <a:lstStyle/>
+          <a:p>
+            <a:pPr algn="ctr"/>
+            <a:endParaRPr lang="en-US"/>
+          </a:p>
+        </p:txBody>
+      </p:sp>
+      <p:sp>
+        <p:nvSpPr>
+          <p:cNvPr id="13" name="TextBox 12">
+            <a:hlinkClick r:id="rId3" action="ppaction://hlinksldjump"/>
+            <a:extLst>
+              <a:ext uri="{FF2B5EF4-FFF2-40B4-BE49-F238E27FC236}">
+                <a16:creationId xmlns:a16="http://schemas.microsoft.com/office/drawing/2014/main" id="{08755F3F-4CF0-944D-DFBB-0869D3A54D7A}"/>
+              </a:ext>
+            </a:extLst>
+          </p:cNvPr>
+          <p:cNvSpPr txBox="1"/>
+          <p:nvPr/>
+        </p:nvSpPr>
+        <p:spPr>
+          <a:xfrm>
+            <a:off x="1462074" y="5097624"/>
+            <a:ext cx="2836507" cy="707886"/>
+          </a:xfrm>
+          <a:prstGeom prst="rect">
+            <a:avLst/>
+          </a:prstGeom>
+          <a:noFill/>
+        </p:spPr>
+        <p:txBody>
+          <a:bodyPr wrap="square" rtlCol="0">
+            <a:spAutoFit/>
+          </a:bodyPr>
+          <a:lstStyle/>
+          <a:p>
+            <a:pPr algn="ctr"/>
+            <a:r>
+              <a:rPr lang="en-US" sz="2000" dirty="0">
+                <a:latin typeface="Aptos ExtraBold" panose="020B0004020202020204" pitchFamily="34" charset="0"/>
+                <a:hlinkClick r:id="rId6" action="ppaction://hlinksldjump"/>
+              </a:rPr>
+              <a:t>Thyroid-Stimulating Hormone (TSH) Level</a:t>
+            </a:r>
+            <a:endParaRPr lang="en-US" sz="2000" dirty="0">
+              <a:latin typeface="Aptos ExtraBold" panose="020B0004020202020204" pitchFamily="34" charset="0"/>
+            </a:endParaRPr>
+          </a:p>
+        </p:txBody>
+      </p:sp>
     </p:spTree>
     <p:extLst>
       <p:ext uri="{BB962C8B-B14F-4D97-AF65-F5344CB8AC3E}">
@@ -4582,6 +4858,66 @@
     <p:extLst>
       <p:ext uri="{BB962C8B-B14F-4D97-AF65-F5344CB8AC3E}">
         <p14:creationId xmlns:p14="http://schemas.microsoft.com/office/powerpoint/2010/main" val="1175666265"/>
+      </p:ext>
+    </p:extLst>
+  </p:cSld>
+  <p:clrMapOvr>
+    <a:masterClrMapping/>
+  </p:clrMapOvr>
+</p:sld>
+</file>
+
+<file path=ppt/slides/slide6.xml><?xml version="1.0" encoding="utf-8"?>
+<p:sld xmlns:a="http://schemas.openxmlformats.org/drawingml/2006/main" xmlns:r="http://schemas.openxmlformats.org/officeDocument/2006/relationships" xmlns:p="http://schemas.openxmlformats.org/presentationml/2006/main">
+  <p:cSld>
+    <p:spTree>
+      <p:nvGrpSpPr>
+        <p:cNvPr id="1" name=""/>
+        <p:cNvGrpSpPr/>
+        <p:nvPr/>
+      </p:nvGrpSpPr>
+      <p:grpSpPr>
+        <a:xfrm>
+          <a:off x="0" y="0"/>
+          <a:ext cx="0" cy="0"/>
+          <a:chOff x="0" y="0"/>
+          <a:chExt cx="0" cy="0"/>
+        </a:xfrm>
+      </p:grpSpPr>
+      <p:pic>
+        <p:nvPicPr>
+          <p:cNvPr id="5" name="Picture 4">
+            <a:extLst>
+              <a:ext uri="{FF2B5EF4-FFF2-40B4-BE49-F238E27FC236}">
+                <a16:creationId xmlns:a16="http://schemas.microsoft.com/office/drawing/2014/main" id="{B49F6C4C-A7A1-8336-EAF8-6663BE79BAC9}"/>
+              </a:ext>
+            </a:extLst>
+          </p:cNvPr>
+          <p:cNvPicPr>
+            <a:picLocks noChangeAspect="1"/>
+          </p:cNvPicPr>
+          <p:nvPr/>
+        </p:nvPicPr>
+        <p:blipFill>
+          <a:blip r:embed="rId2"/>
+          <a:stretch>
+            <a:fillRect/>
+          </a:stretch>
+        </p:blipFill>
+        <p:spPr>
+          <a:xfrm>
+            <a:off x="1327865" y="380403"/>
+            <a:ext cx="9297605" cy="6097194"/>
+          </a:xfrm>
+          <a:prstGeom prst="rect">
+            <a:avLst/>
+          </a:prstGeom>
+        </p:spPr>
+      </p:pic>
+    </p:spTree>
+    <p:extLst>
+      <p:ext uri="{BB962C8B-B14F-4D97-AF65-F5344CB8AC3E}">
+        <p14:creationId xmlns:p14="http://schemas.microsoft.com/office/powerpoint/2010/main" val="3549881800"/>
       </p:ext>
     </p:extLst>
   </p:cSld>

--- a/Final Poject/Proposal - Draft Dashboard.pptx
+++ b/Final Poject/Proposal - Draft Dashboard.pptx
@@ -10,7 +10,10 @@
     <p:sldId id="260" r:id="rId4"/>
     <p:sldId id="258" r:id="rId5"/>
     <p:sldId id="259" r:id="rId6"/>
-    <p:sldId id="261" r:id="rId7"/>
+    <p:sldId id="265" r:id="rId7"/>
+    <p:sldId id="263" r:id="rId8"/>
+    <p:sldId id="262" r:id="rId9"/>
+    <p:sldId id="264" r:id="rId10"/>
   </p:sldIdLst>
   <p:sldSz cx="12192000" cy="6858000"/>
   <p:notesSz cx="6858000" cy="9144000"/>
@@ -120,7 +123,7 @@
 <file path=ppt/revisionInfo.xml><?xml version="1.0" encoding="utf-8"?>
 <p1510:revInfo xmlns:a="http://schemas.openxmlformats.org/drawingml/2006/main" xmlns:r="http://schemas.openxmlformats.org/officeDocument/2006/relationships" xmlns:p1510="http://schemas.microsoft.com/office/powerpoint/2015/10/main">
   <p1510:revLst>
-    <p1510:client id="{358A6438-66E1-4750-8344-428E29BFBE55}" v="12" dt="2025-02-21T19:00:39.012"/>
+    <p1510:client id="{358A6438-66E1-4750-8344-428E29BFBE55}" v="22" dt="2025-02-22T00:15:46.071"/>
   </p1510:revLst>
 </p1510:revInfo>
 </file>
@@ -129,13 +132,13 @@
 <pc:chgInfo xmlns:a="http://schemas.openxmlformats.org/drawingml/2006/main" xmlns:r="http://schemas.openxmlformats.org/officeDocument/2006/relationships" xmlns:ac="http://schemas.microsoft.com/office/drawing/2013/main/command" xmlns:pc="http://schemas.microsoft.com/office/powerpoint/2013/main/command">
   <pc:docChgLst>
     <pc:chgData name="Wilona Nguyen" userId="9c55e0c3f172c613" providerId="LiveId" clId="{358A6438-66E1-4750-8344-428E29BFBE55}"/>
-    <pc:docChg chg="undo custSel addSld modSld">
-      <pc:chgData name="Wilona Nguyen" userId="9c55e0c3f172c613" providerId="LiveId" clId="{358A6438-66E1-4750-8344-428E29BFBE55}" dt="2025-02-21T19:00:20.797" v="233" actId="1076"/>
+    <pc:docChg chg="undo custSel addSld delSld modSld sldOrd">
+      <pc:chgData name="Wilona Nguyen" userId="9c55e0c3f172c613" providerId="LiveId" clId="{358A6438-66E1-4750-8344-428E29BFBE55}" dt="2025-02-22T00:17:27.731" v="628" actId="1076"/>
       <pc:docMkLst>
         <pc:docMk/>
       </pc:docMkLst>
       <pc:sldChg chg="addSp modSp add mod">
-        <pc:chgData name="Wilona Nguyen" userId="9c55e0c3f172c613" providerId="LiveId" clId="{358A6438-66E1-4750-8344-428E29BFBE55}" dt="2025-02-21T18:59:21.045" v="228" actId="20577"/>
+        <pc:chgData name="Wilona Nguyen" userId="9c55e0c3f172c613" providerId="LiveId" clId="{358A6438-66E1-4750-8344-428E29BFBE55}" dt="2025-02-22T00:17:27.731" v="628" actId="1076"/>
         <pc:sldMkLst>
           <pc:docMk/>
           <pc:sldMk cId="1217860718" sldId="256"/>
@@ -149,19 +152,11 @@
           </ac:spMkLst>
         </pc:spChg>
         <pc:spChg chg="add mod">
-          <ac:chgData name="Wilona Nguyen" userId="9c55e0c3f172c613" providerId="LiveId" clId="{358A6438-66E1-4750-8344-428E29BFBE55}" dt="2025-02-20T20:25:18.420" v="19"/>
+          <ac:chgData name="Wilona Nguyen" userId="9c55e0c3f172c613" providerId="LiveId" clId="{358A6438-66E1-4750-8344-428E29BFBE55}" dt="2025-02-22T00:17:27.731" v="628" actId="1076"/>
           <ac:spMkLst>
             <pc:docMk/>
             <pc:sldMk cId="1217860718" sldId="256"/>
-            <ac:spMk id="2" creationId="{D7B0CBA0-03E0-F7F2-71AB-878DC02A15CC}"/>
-          </ac:spMkLst>
-        </pc:spChg>
-        <pc:spChg chg="add mod">
-          <ac:chgData name="Wilona Nguyen" userId="9c55e0c3f172c613" providerId="LiveId" clId="{358A6438-66E1-4750-8344-428E29BFBE55}" dt="2025-02-20T20:25:18.420" v="19"/>
-          <ac:spMkLst>
-            <pc:docMk/>
-            <pc:sldMk cId="1217860718" sldId="256"/>
-            <ac:spMk id="3" creationId="{933A366B-F6CE-617E-B32F-DADE8651177B}"/>
+            <ac:spMk id="2" creationId="{C2BF3200-8D85-14C5-12DE-D821CA3C460E}"/>
           </ac:spMkLst>
         </pc:spChg>
         <pc:spChg chg="add mod">
@@ -173,7 +168,47 @@
           </ac:spMkLst>
         </pc:spChg>
         <pc:spChg chg="add mod">
-          <ac:chgData name="Wilona Nguyen" userId="9c55e0c3f172c613" providerId="LiveId" clId="{358A6438-66E1-4750-8344-428E29BFBE55}" dt="2025-02-20T20:25:21.894" v="21" actId="1076"/>
+          <ac:chgData name="Wilona Nguyen" userId="9c55e0c3f172c613" providerId="LiveId" clId="{358A6438-66E1-4750-8344-428E29BFBE55}" dt="2025-02-22T00:17:27.731" v="628" actId="1076"/>
+          <ac:spMkLst>
+            <pc:docMk/>
+            <pc:sldMk cId="1217860718" sldId="256"/>
+            <ac:spMk id="3" creationId="{F214A0A8-D5FC-1F7D-2C87-67933A66CB43}"/>
+          </ac:spMkLst>
+        </pc:spChg>
+        <pc:spChg chg="mod">
+          <ac:chgData name="Wilona Nguyen" userId="9c55e0c3f172c613" providerId="LiveId" clId="{358A6438-66E1-4750-8344-428E29BFBE55}" dt="2025-02-22T00:17:27.731" v="628" actId="1076"/>
+          <ac:spMkLst>
+            <pc:docMk/>
+            <pc:sldMk cId="1217860718" sldId="256"/>
+            <ac:spMk id="4" creationId="{3F63BF63-27DD-7EF3-DBFA-04DA195B3ACA}"/>
+          </ac:spMkLst>
+        </pc:spChg>
+        <pc:spChg chg="mod">
+          <ac:chgData name="Wilona Nguyen" userId="9c55e0c3f172c613" providerId="LiveId" clId="{358A6438-66E1-4750-8344-428E29BFBE55}" dt="2025-02-21T23:56:29.771" v="434" actId="1076"/>
+          <ac:spMkLst>
+            <pc:docMk/>
+            <pc:sldMk cId="1217860718" sldId="256"/>
+            <ac:spMk id="5" creationId="{35A1F020-FBAA-A153-0F1A-F9AD3803D732}"/>
+          </ac:spMkLst>
+        </pc:spChg>
+        <pc:spChg chg="mod">
+          <ac:chgData name="Wilona Nguyen" userId="9c55e0c3f172c613" providerId="LiveId" clId="{358A6438-66E1-4750-8344-428E29BFBE55}" dt="2025-02-21T23:58:01.900" v="463" actId="14100"/>
+          <ac:spMkLst>
+            <pc:docMk/>
+            <pc:sldMk cId="1217860718" sldId="256"/>
+            <ac:spMk id="6" creationId="{DA8AF502-384A-ECA3-CBA7-34999B8F530C}"/>
+          </ac:spMkLst>
+        </pc:spChg>
+        <pc:spChg chg="mod">
+          <ac:chgData name="Wilona Nguyen" userId="9c55e0c3f172c613" providerId="LiveId" clId="{358A6438-66E1-4750-8344-428E29BFBE55}" dt="2025-02-22T00:17:27.731" v="628" actId="1076"/>
+          <ac:spMkLst>
+            <pc:docMk/>
+            <pc:sldMk cId="1217860718" sldId="256"/>
+            <ac:spMk id="7" creationId="{A3BFBF96-AFFB-0A20-AF2F-B7702751939F}"/>
+          </ac:spMkLst>
+        </pc:spChg>
+        <pc:spChg chg="add mod">
+          <ac:chgData name="Wilona Nguyen" userId="9c55e0c3f172c613" providerId="LiveId" clId="{358A6438-66E1-4750-8344-428E29BFBE55}" dt="2025-02-22T00:17:27.731" v="628" actId="1076"/>
           <ac:spMkLst>
             <pc:docMk/>
             <pc:sldMk cId="1217860718" sldId="256"/>
@@ -181,7 +216,7 @@
           </ac:spMkLst>
         </pc:spChg>
         <pc:spChg chg="add mod">
-          <ac:chgData name="Wilona Nguyen" userId="9c55e0c3f172c613" providerId="LiveId" clId="{358A6438-66E1-4750-8344-428E29BFBE55}" dt="2025-02-20T20:25:26.502" v="37" actId="20577"/>
+          <ac:chgData name="Wilona Nguyen" userId="9c55e0c3f172c613" providerId="LiveId" clId="{358A6438-66E1-4750-8344-428E29BFBE55}" dt="2025-02-22T00:17:27.731" v="628" actId="1076"/>
           <ac:spMkLst>
             <pc:docMk/>
             <pc:sldMk cId="1217860718" sldId="256"/>
@@ -189,7 +224,7 @@
           </ac:spMkLst>
         </pc:spChg>
         <pc:spChg chg="add mod">
-          <ac:chgData name="Wilona Nguyen" userId="9c55e0c3f172c613" providerId="LiveId" clId="{358A6438-66E1-4750-8344-428E29BFBE55}" dt="2025-02-21T17:31:55.608" v="144" actId="1076"/>
+          <ac:chgData name="Wilona Nguyen" userId="9c55e0c3f172c613" providerId="LiveId" clId="{358A6438-66E1-4750-8344-428E29BFBE55}" dt="2025-02-22T00:17:27.731" v="628" actId="1076"/>
           <ac:spMkLst>
             <pc:docMk/>
             <pc:sldMk cId="1217860718" sldId="256"/>
@@ -197,7 +232,7 @@
           </ac:spMkLst>
         </pc:spChg>
         <pc:spChg chg="add mod">
-          <ac:chgData name="Wilona Nguyen" userId="9c55e0c3f172c613" providerId="LiveId" clId="{358A6438-66E1-4750-8344-428E29BFBE55}" dt="2025-02-21T17:33:30.247" v="171" actId="404"/>
+          <ac:chgData name="Wilona Nguyen" userId="9c55e0c3f172c613" providerId="LiveId" clId="{358A6438-66E1-4750-8344-428E29BFBE55}" dt="2025-02-21T23:56:29.771" v="434" actId="1076"/>
           <ac:spMkLst>
             <pc:docMk/>
             <pc:sldMk cId="1217860718" sldId="256"/>
@@ -205,7 +240,7 @@
           </ac:spMkLst>
         </pc:spChg>
         <pc:spChg chg="add mod">
-          <ac:chgData name="Wilona Nguyen" userId="9c55e0c3f172c613" providerId="LiveId" clId="{358A6438-66E1-4750-8344-428E29BFBE55}" dt="2025-02-21T18:58:47.001" v="173" actId="1076"/>
+          <ac:chgData name="Wilona Nguyen" userId="9c55e0c3f172c613" providerId="LiveId" clId="{358A6438-66E1-4750-8344-428E29BFBE55}" dt="2025-02-22T00:17:27.731" v="628" actId="1076"/>
           <ac:spMkLst>
             <pc:docMk/>
             <pc:sldMk cId="1217860718" sldId="256"/>
@@ -213,34 +248,42 @@
           </ac:spMkLst>
         </pc:spChg>
         <pc:spChg chg="add mod">
-          <ac:chgData name="Wilona Nguyen" userId="9c55e0c3f172c613" providerId="LiveId" clId="{358A6438-66E1-4750-8344-428E29BFBE55}" dt="2025-02-21T18:59:21.045" v="228" actId="20577"/>
+          <ac:chgData name="Wilona Nguyen" userId="9c55e0c3f172c613" providerId="LiveId" clId="{358A6438-66E1-4750-8344-428E29BFBE55}" dt="2025-02-22T00:17:27.731" v="628" actId="1076"/>
           <ac:spMkLst>
             <pc:docMk/>
             <pc:sldMk cId="1217860718" sldId="256"/>
             <ac:spMk id="13" creationId="{08755F3F-4CF0-944D-DFBB-0869D3A54D7A}"/>
           </ac:spMkLst>
         </pc:spChg>
+        <pc:spChg chg="add mod">
+          <ac:chgData name="Wilona Nguyen" userId="9c55e0c3f172c613" providerId="LiveId" clId="{358A6438-66E1-4750-8344-428E29BFBE55}" dt="2025-02-21T23:57:01.500" v="437" actId="2085"/>
+          <ac:spMkLst>
+            <pc:docMk/>
+            <pc:sldMk cId="1217860718" sldId="256"/>
+            <ac:spMk id="14" creationId="{F89CF9D6-C5D2-8C1D-52B7-B7AED221C163}"/>
+          </ac:spMkLst>
+        </pc:spChg>
+        <pc:spChg chg="add mod">
+          <ac:chgData name="Wilona Nguyen" userId="9c55e0c3f172c613" providerId="LiveId" clId="{358A6438-66E1-4750-8344-428E29BFBE55}" dt="2025-02-22T00:17:27.731" v="628" actId="1076"/>
+          <ac:spMkLst>
+            <pc:docMk/>
+            <pc:sldMk cId="1217860718" sldId="256"/>
+            <ac:spMk id="15" creationId="{00B29F0A-2534-0119-C4EB-EC69F8AB59C8}"/>
+          </ac:spMkLst>
+        </pc:spChg>
       </pc:sldChg>
       <pc:sldChg chg="addSp delSp modSp add mod setBg">
-        <pc:chgData name="Wilona Nguyen" userId="9c55e0c3f172c613" providerId="LiveId" clId="{358A6438-66E1-4750-8344-428E29BFBE55}" dt="2025-02-21T03:15:37.853" v="105" actId="1076"/>
+        <pc:chgData name="Wilona Nguyen" userId="9c55e0c3f172c613" providerId="LiveId" clId="{358A6438-66E1-4750-8344-428E29BFBE55}" dt="2025-02-22T00:12:22.143" v="509" actId="207"/>
         <pc:sldMkLst>
           <pc:docMk/>
           <pc:sldMk cId="3799506561" sldId="257"/>
         </pc:sldMkLst>
-        <pc:spChg chg="del">
-          <ac:chgData name="Wilona Nguyen" userId="9c55e0c3f172c613" providerId="LiveId" clId="{358A6438-66E1-4750-8344-428E29BFBE55}" dt="2025-02-20T20:16:33.457" v="2" actId="478"/>
+        <pc:spChg chg="add mod">
+          <ac:chgData name="Wilona Nguyen" userId="9c55e0c3f172c613" providerId="LiveId" clId="{358A6438-66E1-4750-8344-428E29BFBE55}" dt="2025-02-22T00:12:22.143" v="509" actId="207"/>
           <ac:spMkLst>
             <pc:docMk/>
             <pc:sldMk cId="3799506561" sldId="257"/>
-            <ac:spMk id="2" creationId="{6A7DAEAC-BE47-78B1-0082-AAD0B6091FF3}"/>
-          </ac:spMkLst>
-        </pc:spChg>
-        <pc:spChg chg="add del mod">
-          <ac:chgData name="Wilona Nguyen" userId="9c55e0c3f172c613" providerId="LiveId" clId="{358A6438-66E1-4750-8344-428E29BFBE55}" dt="2025-02-20T20:16:33.457" v="2" actId="478"/>
-          <ac:spMkLst>
-            <pc:docMk/>
-            <pc:sldMk cId="3799506561" sldId="257"/>
-            <ac:spMk id="4" creationId="{854A6B9E-E4B4-D3F6-884B-94B2E40A0E20}"/>
+            <ac:spMk id="7" creationId="{22A90500-BC7D-B268-0C42-19D8010A1218}"/>
           </ac:spMkLst>
         </pc:spChg>
         <pc:spChg chg="add del">
@@ -251,28 +294,36 @@
             <ac:spMk id="15" creationId="{262ABC4B-37D8-4218-BDD8-6DF6A00C0C80}"/>
           </ac:spMkLst>
         </pc:spChg>
-        <pc:spChg chg="add">
-          <ac:chgData name="Wilona Nguyen" userId="9c55e0c3f172c613" providerId="LiveId" clId="{358A6438-66E1-4750-8344-428E29BFBE55}" dt="2025-02-21T03:08:56.323" v="64" actId="26606"/>
+        <pc:spChg chg="add del">
+          <ac:chgData name="Wilona Nguyen" userId="9c55e0c3f172c613" providerId="LiveId" clId="{358A6438-66E1-4750-8344-428E29BFBE55}" dt="2025-02-21T23:44:31.154" v="336" actId="26606"/>
           <ac:spMkLst>
             <pc:docMk/>
             <pc:sldMk cId="3799506561" sldId="257"/>
             <ac:spMk id="20" creationId="{42A4FC2C-047E-45A5-965D-8E1E3BF09BC6}"/>
           </ac:spMkLst>
         </pc:spChg>
-        <pc:graphicFrameChg chg="del">
-          <ac:chgData name="Wilona Nguyen" userId="9c55e0c3f172c613" providerId="LiveId" clId="{358A6438-66E1-4750-8344-428E29BFBE55}" dt="2025-02-20T20:16:29.296" v="1" actId="478"/>
-          <ac:graphicFrameMkLst>
-            <pc:docMk/>
-            <pc:sldMk cId="3799506561" sldId="257"/>
-            <ac:graphicFrameMk id="11" creationId="{9A09880E-196A-BD98-E7D5-A4ADC94020B3}"/>
-          </ac:graphicFrameMkLst>
-        </pc:graphicFrameChg>
         <pc:picChg chg="add del mod">
           <ac:chgData name="Wilona Nguyen" userId="9c55e0c3f172c613" providerId="LiveId" clId="{358A6438-66E1-4750-8344-428E29BFBE55}" dt="2025-02-21T03:09:57.038" v="79" actId="478"/>
           <ac:picMkLst>
             <pc:docMk/>
             <pc:sldMk cId="3799506561" sldId="257"/>
             <ac:picMk id="3" creationId="{29B1D64C-859F-09CA-6A02-6AA405702D21}"/>
+          </ac:picMkLst>
+        </pc:picChg>
+        <pc:picChg chg="add mod ord modCrop">
+          <ac:chgData name="Wilona Nguyen" userId="9c55e0c3f172c613" providerId="LiveId" clId="{358A6438-66E1-4750-8344-428E29BFBE55}" dt="2025-02-21T23:44:31.154" v="336" actId="26606"/>
+          <ac:picMkLst>
+            <pc:docMk/>
+            <pc:sldMk cId="3799506561" sldId="257"/>
+            <ac:picMk id="3" creationId="{41E17133-752C-1C62-704A-9464BAF20DC9}"/>
+          </ac:picMkLst>
+        </pc:picChg>
+        <pc:picChg chg="add del mod">
+          <ac:chgData name="Wilona Nguyen" userId="9c55e0c3f172c613" providerId="LiveId" clId="{358A6438-66E1-4750-8344-428E29BFBE55}" dt="2025-02-21T23:44:19.622" v="334" actId="478"/>
+          <ac:picMkLst>
+            <pc:docMk/>
+            <pc:sldMk cId="3799506561" sldId="257"/>
+            <ac:picMk id="4" creationId="{9C337DA6-C9DC-712C-43DF-71DCC2776157}"/>
           </ac:picMkLst>
         </pc:picChg>
         <pc:picChg chg="add del">
@@ -283,12 +334,12 @@
             <ac:picMk id="5" creationId="{338C30A7-3D0E-E3D1-4D87-7CFA0C96273D}"/>
           </ac:picMkLst>
         </pc:picChg>
-        <pc:picChg chg="add del">
-          <ac:chgData name="Wilona Nguyen" userId="9c55e0c3f172c613" providerId="LiveId" clId="{358A6438-66E1-4750-8344-428E29BFBE55}" dt="2025-02-20T20:17:41.063" v="4" actId="478"/>
+        <pc:picChg chg="add mod modCrop">
+          <ac:chgData name="Wilona Nguyen" userId="9c55e0c3f172c613" providerId="LiveId" clId="{358A6438-66E1-4750-8344-428E29BFBE55}" dt="2025-02-21T23:44:53.561" v="340" actId="1076"/>
           <ac:picMkLst>
             <pc:docMk/>
             <pc:sldMk cId="3799506561" sldId="257"/>
-            <ac:picMk id="6" creationId="{F61B7177-DBED-C39D-4150-ED0CA7049DB4}"/>
+            <ac:picMk id="6" creationId="{A2B8644B-870B-A628-05DF-88DA0E9C4F77}"/>
           </ac:picMkLst>
         </pc:picChg>
         <pc:picChg chg="add del mod ord">
@@ -300,15 +351,7 @@
           </ac:picMkLst>
         </pc:picChg>
         <pc:picChg chg="add del mod">
-          <ac:chgData name="Wilona Nguyen" userId="9c55e0c3f172c613" providerId="LiveId" clId="{358A6438-66E1-4750-8344-428E29BFBE55}" dt="2025-02-20T20:20:22.357" v="9" actId="478"/>
-          <ac:picMkLst>
-            <pc:docMk/>
-            <pc:sldMk cId="3799506561" sldId="257"/>
-            <ac:picMk id="8" creationId="{692DAEFB-0A83-0850-23E7-5D5D4D8D47B2}"/>
-          </ac:picMkLst>
-        </pc:picChg>
-        <pc:picChg chg="add mod">
-          <ac:chgData name="Wilona Nguyen" userId="9c55e0c3f172c613" providerId="LiveId" clId="{358A6438-66E1-4750-8344-428E29BFBE55}" dt="2025-02-21T03:14:16.013" v="100" actId="1076"/>
+          <ac:chgData name="Wilona Nguyen" userId="9c55e0c3f172c613" providerId="LiveId" clId="{358A6438-66E1-4750-8344-428E29BFBE55}" dt="2025-02-21T21:41:59.019" v="244" actId="478"/>
           <ac:picMkLst>
             <pc:docMk/>
             <pc:sldMk cId="3799506561" sldId="257"/>
@@ -323,8 +366,8 @@
             <ac:picMk id="10" creationId="{250BCACD-7F7D-BE33-4DD6-FC9FD819BF11}"/>
           </ac:picMkLst>
         </pc:picChg>
-        <pc:picChg chg="add mod">
-          <ac:chgData name="Wilona Nguyen" userId="9c55e0c3f172c613" providerId="LiveId" clId="{358A6438-66E1-4750-8344-428E29BFBE55}" dt="2025-02-21T03:14:18.419" v="101" actId="1076"/>
+        <pc:picChg chg="add mod ord">
+          <ac:chgData name="Wilona Nguyen" userId="9c55e0c3f172c613" providerId="LiveId" clId="{358A6438-66E1-4750-8344-428E29BFBE55}" dt="2025-02-21T23:44:31.154" v="336" actId="26606"/>
           <ac:picMkLst>
             <pc:docMk/>
             <pc:sldMk cId="3799506561" sldId="257"/>
@@ -355,47 +398,63 @@
             <ac:picMk id="19" creationId="{C595BD41-633E-93DE-70CC-104E1F8E3A3F}"/>
           </ac:picMkLst>
         </pc:picChg>
-        <pc:picChg chg="add mod modCrop">
-          <ac:chgData name="Wilona Nguyen" userId="9c55e0c3f172c613" providerId="LiveId" clId="{358A6438-66E1-4750-8344-428E29BFBE55}" dt="2025-02-21T03:15:37.853" v="105" actId="1076"/>
+        <pc:picChg chg="add del mod modCrop">
+          <ac:chgData name="Wilona Nguyen" userId="9c55e0c3f172c613" providerId="LiveId" clId="{358A6438-66E1-4750-8344-428E29BFBE55}" dt="2025-02-21T23:18:25.553" v="320" actId="478"/>
           <ac:picMkLst>
             <pc:docMk/>
             <pc:sldMk cId="3799506561" sldId="257"/>
             <ac:picMk id="22" creationId="{F6F8431E-27FD-D943-C80A-A831A34543CF}"/>
           </ac:picMkLst>
         </pc:picChg>
+        <pc:cxnChg chg="add mod">
+          <ac:chgData name="Wilona Nguyen" userId="9c55e0c3f172c613" providerId="LiveId" clId="{358A6438-66E1-4750-8344-428E29BFBE55}" dt="2025-02-22T00:12:07.011" v="507" actId="1076"/>
+          <ac:cxnSpMkLst>
+            <pc:docMk/>
+            <pc:sldMk cId="3799506561" sldId="257"/>
+            <ac:cxnSpMk id="9" creationId="{E487647A-2028-E363-A5FC-CA4E281D14E1}"/>
+          </ac:cxnSpMkLst>
+        </pc:cxnChg>
+        <pc:cxnChg chg="add">
+          <ac:chgData name="Wilona Nguyen" userId="9c55e0c3f172c613" providerId="LiveId" clId="{358A6438-66E1-4750-8344-428E29BFBE55}" dt="2025-02-21T23:44:31.154" v="336" actId="26606"/>
+          <ac:cxnSpMkLst>
+            <pc:docMk/>
+            <pc:sldMk cId="3799506561" sldId="257"/>
+            <ac:cxnSpMk id="25" creationId="{DCD67800-37AC-4E14-89B0-F79DCB3FB86D}"/>
+          </ac:cxnSpMkLst>
+        </pc:cxnChg>
+        <pc:cxnChg chg="add">
+          <ac:chgData name="Wilona Nguyen" userId="9c55e0c3f172c613" providerId="LiveId" clId="{358A6438-66E1-4750-8344-428E29BFBE55}" dt="2025-02-21T23:44:31.154" v="336" actId="26606"/>
+          <ac:cxnSpMkLst>
+            <pc:docMk/>
+            <pc:sldMk cId="3799506561" sldId="257"/>
+            <ac:cxnSpMk id="27" creationId="{20F1788F-A5AE-4188-8274-F7F2E3833ECD}"/>
+          </ac:cxnSpMkLst>
+        </pc:cxnChg>
       </pc:sldChg>
       <pc:sldChg chg="addSp delSp modSp add mod setBg">
-        <pc:chgData name="Wilona Nguyen" userId="9c55e0c3f172c613" providerId="LiveId" clId="{358A6438-66E1-4750-8344-428E29BFBE55}" dt="2025-02-21T03:23:45.300" v="133" actId="14100"/>
+        <pc:chgData name="Wilona Nguyen" userId="9c55e0c3f172c613" providerId="LiveId" clId="{358A6438-66E1-4750-8344-428E29BFBE55}" dt="2025-02-22T00:15:05.301" v="555" actId="1076"/>
         <pc:sldMkLst>
           <pc:docMk/>
           <pc:sldMk cId="3383230809" sldId="258"/>
         </pc:sldMkLst>
-        <pc:spChg chg="del">
-          <ac:chgData name="Wilona Nguyen" userId="9c55e0c3f172c613" providerId="LiveId" clId="{358A6438-66E1-4750-8344-428E29BFBE55}" dt="2025-02-20T20:25:06.483" v="15" actId="478"/>
+        <pc:spChg chg="add mod">
+          <ac:chgData name="Wilona Nguyen" userId="9c55e0c3f172c613" providerId="LiveId" clId="{358A6438-66E1-4750-8344-428E29BFBE55}" dt="2025-02-22T00:14:56.601" v="554" actId="20577"/>
           <ac:spMkLst>
             <pc:docMk/>
             <pc:sldMk cId="3383230809" sldId="258"/>
-            <ac:spMk id="2" creationId="{5DE24CCC-BC6B-D29B-E586-C6779B8C2D43}"/>
-          </ac:spMkLst>
-        </pc:spChg>
-        <pc:spChg chg="del">
-          <ac:chgData name="Wilona Nguyen" userId="9c55e0c3f172c613" providerId="LiveId" clId="{358A6438-66E1-4750-8344-428E29BFBE55}" dt="2025-02-20T20:25:06.483" v="15" actId="478"/>
-          <ac:spMkLst>
-            <pc:docMk/>
-            <pc:sldMk cId="3383230809" sldId="258"/>
-            <ac:spMk id="3" creationId="{097C5158-39B5-7543-8377-D85775A5DE8A}"/>
+            <ac:spMk id="2" creationId="{4D18E9BE-C47E-698B-6D7C-0D1370DE90A2}"/>
           </ac:spMkLst>
         </pc:spChg>
         <pc:picChg chg="add mod">
-          <ac:chgData name="Wilona Nguyen" userId="9c55e0c3f172c613" providerId="LiveId" clId="{358A6438-66E1-4750-8344-428E29BFBE55}" dt="2025-02-21T03:23:21.758" v="128" actId="1076"/>
+          <ac:chgData name="Wilona Nguyen" userId="9c55e0c3f172c613" providerId="LiveId" clId="{358A6438-66E1-4750-8344-428E29BFBE55}" dt="2025-02-21T21:21:08.980" v="241" actId="14100"/>
           <ac:picMkLst>
             <pc:docMk/>
             <pc:sldMk cId="3383230809" sldId="258"/>
             <ac:picMk id="3" creationId="{F3742F20-D145-E9D9-4E08-912C962AA96D}"/>
           </ac:picMkLst>
         </pc:picChg>
-        <pc:picChg chg="add mod">
-          <ac:chgData name="Wilona Nguyen" userId="9c55e0c3f172c613" providerId="LiveId" clId="{358A6438-66E1-4750-8344-428E29BFBE55}" dt="2025-02-21T03:23:45.300" v="133" actId="14100"/>
+        <pc:picChg chg="add del mod">
+          <ac:chgData name="Wilona Nguyen" userId="9c55e0c3f172c613" providerId="LiveId" clId="{358A6438-66E1-4750-8344-428E29BFBE55}" dt="2025-02-21T21:20:34.396" v="234" actId="478"/>
           <ac:picMkLst>
             <pc:docMk/>
             <pc:sldMk cId="3383230809" sldId="258"/>
@@ -403,16 +462,32 @@
           </ac:picMkLst>
         </pc:picChg>
         <pc:picChg chg="add mod ord">
-          <ac:chgData name="Wilona Nguyen" userId="9c55e0c3f172c613" providerId="LiveId" clId="{358A6438-66E1-4750-8344-428E29BFBE55}" dt="2025-02-21T03:23:17.021" v="125" actId="1076"/>
+          <ac:chgData name="Wilona Nguyen" userId="9c55e0c3f172c613" providerId="LiveId" clId="{358A6438-66E1-4750-8344-428E29BFBE55}" dt="2025-02-21T21:33:01.247" v="243" actId="1076"/>
           <ac:picMkLst>
             <pc:docMk/>
             <pc:sldMk cId="3383230809" sldId="258"/>
             <ac:picMk id="5" creationId="{2B4F03E4-DCE5-B9FC-E257-F5C75ECD43B2}"/>
           </ac:picMkLst>
         </pc:picChg>
+        <pc:picChg chg="add mod">
+          <ac:chgData name="Wilona Nguyen" userId="9c55e0c3f172c613" providerId="LiveId" clId="{358A6438-66E1-4750-8344-428E29BFBE55}" dt="2025-02-22T00:15:05.301" v="555" actId="1076"/>
+          <ac:picMkLst>
+            <pc:docMk/>
+            <pc:sldMk cId="3383230809" sldId="258"/>
+            <ac:picMk id="6" creationId="{8B5BB69C-E1F6-8419-D0AF-216B12BB8927}"/>
+          </ac:picMkLst>
+        </pc:picChg>
+        <pc:cxnChg chg="add mod">
+          <ac:chgData name="Wilona Nguyen" userId="9c55e0c3f172c613" providerId="LiveId" clId="{358A6438-66E1-4750-8344-428E29BFBE55}" dt="2025-02-22T00:14:51.273" v="539"/>
+          <ac:cxnSpMkLst>
+            <pc:docMk/>
+            <pc:sldMk cId="3383230809" sldId="258"/>
+            <ac:cxnSpMk id="4" creationId="{3705F36C-1765-E0FC-80E7-8F56AA08653D}"/>
+          </ac:cxnSpMkLst>
+        </pc:cxnChg>
       </pc:sldChg>
-      <pc:sldChg chg="addSp delSp modSp add mod">
-        <pc:chgData name="Wilona Nguyen" userId="9c55e0c3f172c613" providerId="LiveId" clId="{358A6438-66E1-4750-8344-428E29BFBE55}" dt="2025-02-21T03:40:43.866" v="140" actId="1076"/>
+      <pc:sldChg chg="addSp delSp modSp add mod setBg">
+        <pc:chgData name="Wilona Nguyen" userId="9c55e0c3f172c613" providerId="LiveId" clId="{358A6438-66E1-4750-8344-428E29BFBE55}" dt="2025-02-22T00:15:39.627" v="584" actId="14100"/>
         <pc:sldMkLst>
           <pc:docMk/>
           <pc:sldMk cId="1175666265" sldId="259"/>
@@ -433,6 +508,46 @@
             <ac:spMk id="3" creationId="{B1556BAD-88F4-9104-E3FA-030AF9DA6D9B}"/>
           </ac:spMkLst>
         </pc:spChg>
+        <pc:spChg chg="add mod">
+          <ac:chgData name="Wilona Nguyen" userId="9c55e0c3f172c613" providerId="LiveId" clId="{358A6438-66E1-4750-8344-428E29BFBE55}" dt="2025-02-22T00:15:27.468" v="583" actId="14100"/>
+          <ac:spMkLst>
+            <pc:docMk/>
+            <pc:sldMk cId="1175666265" sldId="259"/>
+            <ac:spMk id="8" creationId="{1782101B-73E2-E82C-3E46-EC627D7C1EE6}"/>
+          </ac:spMkLst>
+        </pc:spChg>
+        <pc:spChg chg="add del">
+          <ac:chgData name="Wilona Nguyen" userId="9c55e0c3f172c613" providerId="LiveId" clId="{358A6438-66E1-4750-8344-428E29BFBE55}" dt="2025-02-21T22:50:07.919" v="297" actId="26606"/>
+          <ac:spMkLst>
+            <pc:docMk/>
+            <pc:sldMk cId="1175666265" sldId="259"/>
+            <ac:spMk id="12" creationId="{9E90EB45-EEE9-4563-8179-65EF62AE0978}"/>
+          </ac:spMkLst>
+        </pc:spChg>
+        <pc:spChg chg="add del">
+          <ac:chgData name="Wilona Nguyen" userId="9c55e0c3f172c613" providerId="LiveId" clId="{358A6438-66E1-4750-8344-428E29BFBE55}" dt="2025-02-21T22:50:07.919" v="297" actId="26606"/>
+          <ac:spMkLst>
+            <pc:docMk/>
+            <pc:sldMk cId="1175666265" sldId="259"/>
+            <ac:spMk id="14" creationId="{23D0EF74-AD1E-4FD9-914D-8EC9058EBBA3}"/>
+          </ac:spMkLst>
+        </pc:spChg>
+        <pc:picChg chg="add del mod">
+          <ac:chgData name="Wilona Nguyen" userId="9c55e0c3f172c613" providerId="LiveId" clId="{358A6438-66E1-4750-8344-428E29BFBE55}" dt="2025-02-21T22:53:21.247" v="302" actId="478"/>
+          <ac:picMkLst>
+            <pc:docMk/>
+            <pc:sldMk cId="1175666265" sldId="259"/>
+            <ac:picMk id="3" creationId="{45A84DAD-E430-0EF5-2C57-D528FB821CB7}"/>
+          </ac:picMkLst>
+        </pc:picChg>
+        <pc:picChg chg="add mod">
+          <ac:chgData name="Wilona Nguyen" userId="9c55e0c3f172c613" providerId="LiveId" clId="{358A6438-66E1-4750-8344-428E29BFBE55}" dt="2025-02-21T23:31:34.550" v="328" actId="1076"/>
+          <ac:picMkLst>
+            <pc:docMk/>
+            <pc:sldMk cId="1175666265" sldId="259"/>
+            <ac:picMk id="4" creationId="{F30595F4-2C2D-6A4D-4A0E-97BB3BF7D2DF}"/>
+          </ac:picMkLst>
+        </pc:picChg>
         <pc:picChg chg="add del mod">
           <ac:chgData name="Wilona Nguyen" userId="9c55e0c3f172c613" providerId="LiveId" clId="{358A6438-66E1-4750-8344-428E29BFBE55}" dt="2025-02-21T03:35:50.797" v="138" actId="478"/>
           <ac:picMkLst>
@@ -442,44 +557,44 @@
           </ac:picMkLst>
         </pc:picChg>
         <pc:picChg chg="add mod">
-          <ac:chgData name="Wilona Nguyen" userId="9c55e0c3f172c613" providerId="LiveId" clId="{358A6438-66E1-4750-8344-428E29BFBE55}" dt="2025-02-21T03:40:43.866" v="140" actId="1076"/>
+          <ac:chgData name="Wilona Nguyen" userId="9c55e0c3f172c613" providerId="LiveId" clId="{358A6438-66E1-4750-8344-428E29BFBE55}" dt="2025-02-21T23:31:39.364" v="329" actId="1076"/>
+          <ac:picMkLst>
+            <pc:docMk/>
+            <pc:sldMk cId="1175666265" sldId="259"/>
+            <ac:picMk id="6" creationId="{6537F929-E19D-86C9-975E-F44E285B5A98}"/>
+          </ac:picMkLst>
+        </pc:picChg>
+        <pc:picChg chg="add del mod">
+          <ac:chgData name="Wilona Nguyen" userId="9c55e0c3f172c613" providerId="LiveId" clId="{358A6438-66E1-4750-8344-428E29BFBE55}" dt="2025-02-21T22:56:00.389" v="312" actId="478"/>
           <ac:picMkLst>
             <pc:docMk/>
             <pc:sldMk cId="1175666265" sldId="259"/>
             <ac:picMk id="7" creationId="{23F6B53C-7CFC-1AC6-65EC-87C23C81B260}"/>
           </ac:picMkLst>
         </pc:picChg>
+        <pc:cxnChg chg="add mod">
+          <ac:chgData name="Wilona Nguyen" userId="9c55e0c3f172c613" providerId="LiveId" clId="{358A6438-66E1-4750-8344-428E29BFBE55}" dt="2025-02-22T00:15:39.627" v="584" actId="14100"/>
+          <ac:cxnSpMkLst>
+            <pc:docMk/>
+            <pc:sldMk cId="1175666265" sldId="259"/>
+            <ac:cxnSpMk id="9" creationId="{395E0DC6-BD7E-C89C-FEA8-6CF2104F2B4C}"/>
+          </ac:cxnSpMkLst>
+        </pc:cxnChg>
       </pc:sldChg>
       <pc:sldChg chg="addSp delSp modSp add mod setBg">
-        <pc:chgData name="Wilona Nguyen" userId="9c55e0c3f172c613" providerId="LiveId" clId="{358A6438-66E1-4750-8344-428E29BFBE55}" dt="2025-02-21T03:22:08.455" v="123" actId="1076"/>
+        <pc:chgData name="Wilona Nguyen" userId="9c55e0c3f172c613" providerId="LiveId" clId="{358A6438-66E1-4750-8344-428E29BFBE55}" dt="2025-02-22T00:14:45.634" v="538" actId="1076"/>
         <pc:sldMkLst>
           <pc:docMk/>
           <pc:sldMk cId="3495596678" sldId="260"/>
         </pc:sldMkLst>
-        <pc:spChg chg="del">
-          <ac:chgData name="Wilona Nguyen" userId="9c55e0c3f172c613" providerId="LiveId" clId="{358A6438-66E1-4750-8344-428E29BFBE55}" dt="2025-02-20T20:21:49.484" v="12" actId="478"/>
+        <pc:spChg chg="add mod">
+          <ac:chgData name="Wilona Nguyen" userId="9c55e0c3f172c613" providerId="LiveId" clId="{358A6438-66E1-4750-8344-428E29BFBE55}" dt="2025-02-22T00:14:45.634" v="538" actId="1076"/>
           <ac:spMkLst>
             <pc:docMk/>
             <pc:sldMk cId="3495596678" sldId="260"/>
-            <ac:spMk id="2" creationId="{7A0A36F6-2DC1-B142-24FC-37D2F9D2CBF6}"/>
+            <ac:spMk id="2" creationId="{9447A784-958B-C152-F903-B689F984135B}"/>
           </ac:spMkLst>
         </pc:spChg>
-        <pc:spChg chg="add del mod">
-          <ac:chgData name="Wilona Nguyen" userId="9c55e0c3f172c613" providerId="LiveId" clId="{358A6438-66E1-4750-8344-428E29BFBE55}" dt="2025-02-20T20:21:57.130" v="13" actId="478"/>
-          <ac:spMkLst>
-            <pc:docMk/>
-            <pc:sldMk cId="3495596678" sldId="260"/>
-            <ac:spMk id="4" creationId="{21436DBB-02AA-F4DF-0A6A-1C024A229FAC}"/>
-          </ac:spMkLst>
-        </pc:spChg>
-        <pc:graphicFrameChg chg="del">
-          <ac:chgData name="Wilona Nguyen" userId="9c55e0c3f172c613" providerId="LiveId" clId="{358A6438-66E1-4750-8344-428E29BFBE55}" dt="2025-02-20T20:21:46.140" v="11" actId="478"/>
-          <ac:graphicFrameMkLst>
-            <pc:docMk/>
-            <pc:sldMk cId="3495596678" sldId="260"/>
-            <ac:graphicFrameMk id="11" creationId="{DB0613FA-EE40-2710-FCE0-60EC5DAE820B}"/>
-          </ac:graphicFrameMkLst>
-        </pc:graphicFrameChg>
         <pc:picChg chg="add mod">
           <ac:chgData name="Wilona Nguyen" userId="9c55e0c3f172c613" providerId="LiveId" clId="{358A6438-66E1-4750-8344-428E29BFBE55}" dt="2025-02-21T03:22:08.455" v="123" actId="1076"/>
           <ac:picMkLst>
@@ -512,9 +627,17 @@
             <ac:picMk id="7" creationId="{1529AB5F-B319-6391-8F2E-D0F1898E9DF3}"/>
           </ac:picMkLst>
         </pc:picChg>
+        <pc:cxnChg chg="add mod">
+          <ac:chgData name="Wilona Nguyen" userId="9c55e0c3f172c613" providerId="LiveId" clId="{358A6438-66E1-4750-8344-428E29BFBE55}" dt="2025-02-22T00:12:30.651" v="510"/>
+          <ac:cxnSpMkLst>
+            <pc:docMk/>
+            <pc:sldMk cId="3495596678" sldId="260"/>
+            <ac:cxnSpMk id="5" creationId="{D8758986-AF6A-3791-3B11-87ADA8FC8566}"/>
+          </ac:cxnSpMkLst>
+        </pc:cxnChg>
       </pc:sldChg>
-      <pc:sldChg chg="addSp delSp modSp new mod">
-        <pc:chgData name="Wilona Nguyen" userId="9c55e0c3f172c613" providerId="LiveId" clId="{358A6438-66E1-4750-8344-428E29BFBE55}" dt="2025-02-21T19:00:20.797" v="233" actId="1076"/>
+      <pc:sldChg chg="addSp delSp modSp new del mod">
+        <pc:chgData name="Wilona Nguyen" userId="9c55e0c3f172c613" providerId="LiveId" clId="{358A6438-66E1-4750-8344-428E29BFBE55}" dt="2025-02-21T23:53:37.524" v="416" actId="47"/>
         <pc:sldMkLst>
           <pc:docMk/>
           <pc:sldMk cId="3549881800" sldId="261"/>
@@ -535,14 +658,98 @@
             <ac:spMk id="3" creationId="{6AC1D832-596A-BEBE-FC56-3EDBFC083F66}"/>
           </ac:spMkLst>
         </pc:spChg>
-        <pc:picChg chg="add mod">
-          <ac:chgData name="Wilona Nguyen" userId="9c55e0c3f172c613" providerId="LiveId" clId="{358A6438-66E1-4750-8344-428E29BFBE55}" dt="2025-02-21T19:00:20.797" v="233" actId="1076"/>
+        <pc:picChg chg="add del mod">
+          <ac:chgData name="Wilona Nguyen" userId="9c55e0c3f172c613" providerId="LiveId" clId="{358A6438-66E1-4750-8344-428E29BFBE55}" dt="2025-02-21T23:52:48.424" v="407" actId="21"/>
           <ac:picMkLst>
             <pc:docMk/>
             <pc:sldMk cId="3549881800" sldId="261"/>
             <ac:picMk id="5" creationId="{B49F6C4C-A7A1-8336-EAF8-6663BE79BAC9}"/>
           </ac:picMkLst>
         </pc:picChg>
+      </pc:sldChg>
+      <pc:sldChg chg="addSp new add del mod ord">
+        <pc:chgData name="Wilona Nguyen" userId="9c55e0c3f172c613" providerId="LiveId" clId="{358A6438-66E1-4750-8344-428E29BFBE55}" dt="2025-02-21T23:58:22.181" v="466"/>
+        <pc:sldMkLst>
+          <pc:docMk/>
+          <pc:sldMk cId="4226361056" sldId="262"/>
+        </pc:sldMkLst>
+        <pc:picChg chg="add">
+          <ac:chgData name="Wilona Nguyen" userId="9c55e0c3f172c613" providerId="LiveId" clId="{358A6438-66E1-4750-8344-428E29BFBE55}" dt="2025-02-21T22:14:29.265" v="292" actId="22"/>
+          <ac:picMkLst>
+            <pc:docMk/>
+            <pc:sldMk cId="4226361056" sldId="262"/>
+            <ac:picMk id="3" creationId="{E5531B8D-6D71-1365-40B2-E92B325DF137}"/>
+          </ac:picMkLst>
+        </pc:picChg>
+      </pc:sldChg>
+      <pc:sldChg chg="addSp delSp modSp new mod setBg">
+        <pc:chgData name="Wilona Nguyen" userId="9c55e0c3f172c613" providerId="LiveId" clId="{358A6438-66E1-4750-8344-428E29BFBE55}" dt="2025-02-21T23:56:08.282" v="432" actId="1076"/>
+        <pc:sldMkLst>
+          <pc:docMk/>
+          <pc:sldMk cId="322926840" sldId="263"/>
+        </pc:sldMkLst>
+        <pc:picChg chg="add mod">
+          <ac:chgData name="Wilona Nguyen" userId="9c55e0c3f172c613" providerId="LiveId" clId="{358A6438-66E1-4750-8344-428E29BFBE55}" dt="2025-02-21T23:56:08.282" v="432" actId="1076"/>
+          <ac:picMkLst>
+            <pc:docMk/>
+            <pc:sldMk cId="322926840" sldId="263"/>
+            <ac:picMk id="3" creationId="{56B26BAF-6873-6083-4F66-9807EDE13615}"/>
+          </ac:picMkLst>
+        </pc:picChg>
+        <pc:picChg chg="add del mod">
+          <ac:chgData name="Wilona Nguyen" userId="9c55e0c3f172c613" providerId="LiveId" clId="{358A6438-66E1-4750-8344-428E29BFBE55}" dt="2025-02-21T23:55:41.332" v="425" actId="21"/>
+          <ac:picMkLst>
+            <pc:docMk/>
+            <pc:sldMk cId="322926840" sldId="263"/>
+            <ac:picMk id="5" creationId="{B49F6C4C-A7A1-8336-EAF8-6663BE79BAC9}"/>
+          </ac:picMkLst>
+        </pc:picChg>
+      </pc:sldChg>
+      <pc:sldChg chg="addSp modSp new add del mod ord">
+        <pc:chgData name="Wilona Nguyen" userId="9c55e0c3f172c613" providerId="LiveId" clId="{358A6438-66E1-4750-8344-428E29BFBE55}" dt="2025-02-21T23:58:19.710" v="464" actId="1076"/>
+        <pc:sldMkLst>
+          <pc:docMk/>
+          <pc:sldMk cId="928272909" sldId="264"/>
+        </pc:sldMkLst>
+        <pc:picChg chg="add mod">
+          <ac:chgData name="Wilona Nguyen" userId="9c55e0c3f172c613" providerId="LiveId" clId="{358A6438-66E1-4750-8344-428E29BFBE55}" dt="2025-02-21T23:58:19.710" v="464" actId="1076"/>
+          <ac:picMkLst>
+            <pc:docMk/>
+            <pc:sldMk cId="928272909" sldId="264"/>
+            <ac:picMk id="3" creationId="{CA5D33CE-7D83-936D-D457-F31B02511008}"/>
+          </ac:picMkLst>
+        </pc:picChg>
+      </pc:sldChg>
+      <pc:sldChg chg="addSp modSp new mod setBg">
+        <pc:chgData name="Wilona Nguyen" userId="9c55e0c3f172c613" providerId="LiveId" clId="{358A6438-66E1-4750-8344-428E29BFBE55}" dt="2025-02-22T00:16:33.692" v="627" actId="14100"/>
+        <pc:sldMkLst>
+          <pc:docMk/>
+          <pc:sldMk cId="658059464" sldId="265"/>
+        </pc:sldMkLst>
+        <pc:spChg chg="add mod">
+          <ac:chgData name="Wilona Nguyen" userId="9c55e0c3f172c613" providerId="LiveId" clId="{358A6438-66E1-4750-8344-428E29BFBE55}" dt="2025-02-22T00:16:09.741" v="624" actId="14100"/>
+          <ac:spMkLst>
+            <pc:docMk/>
+            <pc:sldMk cId="658059464" sldId="265"/>
+            <ac:spMk id="2" creationId="{064F6BF5-DF58-96B5-46BB-15474924E544}"/>
+          </ac:spMkLst>
+        </pc:spChg>
+        <pc:picChg chg="add mod">
+          <ac:chgData name="Wilona Nguyen" userId="9c55e0c3f172c613" providerId="LiveId" clId="{358A6438-66E1-4750-8344-428E29BFBE55}" dt="2025-02-22T00:16:13.391" v="625" actId="1076"/>
+          <ac:picMkLst>
+            <pc:docMk/>
+            <pc:sldMk cId="658059464" sldId="265"/>
+            <ac:picMk id="5" creationId="{B49F6C4C-A7A1-8336-EAF8-6663BE79BAC9}"/>
+          </ac:picMkLst>
+        </pc:picChg>
+        <pc:cxnChg chg="add mod">
+          <ac:chgData name="Wilona Nguyen" userId="9c55e0c3f172c613" providerId="LiveId" clId="{358A6438-66E1-4750-8344-428E29BFBE55}" dt="2025-02-22T00:16:33.692" v="627" actId="14100"/>
+          <ac:cxnSpMkLst>
+            <pc:docMk/>
+            <pc:sldMk cId="658059464" sldId="265"/>
+            <ac:cxnSpMk id="3" creationId="{B8B36B2A-A4F0-810A-4B0C-3F8B83EF82A0}"/>
+          </ac:cxnSpMkLst>
+        </pc:cxnChg>
       </pc:sldChg>
     </pc:docChg>
   </pc:docChgLst>
@@ -3777,8 +3984,8 @@
         </p:nvSpPr>
         <p:spPr>
           <a:xfrm>
-            <a:off x="1250302" y="1082351"/>
-            <a:ext cx="3564294" cy="1356049"/>
+            <a:off x="1791478" y="3327918"/>
+            <a:ext cx="1991964" cy="836645"/>
           </a:xfrm>
           <a:prstGeom prst="roundRect">
             <a:avLst/>
@@ -3814,7 +4021,7 @@
           <a:lstStyle/>
           <a:p>
             <a:pPr algn="ctr"/>
-            <a:endParaRPr lang="en-US"/>
+            <a:endParaRPr lang="en-US" sz="2000"/>
           </a:p>
         </p:txBody>
       </p:sp>
@@ -3832,8 +4039,8 @@
         </p:nvSpPr>
         <p:spPr>
           <a:xfrm>
-            <a:off x="1592424" y="1368490"/>
-            <a:ext cx="2836507" cy="707886"/>
+            <a:off x="2003249" y="3495869"/>
+            <a:ext cx="1585229" cy="413326"/>
           </a:xfrm>
           <a:prstGeom prst="rect">
             <a:avLst/>
@@ -3848,13 +4055,13 @@
           <a:p>
             <a:pPr algn="ctr"/>
             <a:r>
-              <a:rPr lang="en-US" sz="4000" dirty="0">
+              <a:rPr lang="en-US" sz="2000" dirty="0">
                 <a:latin typeface="Aptos ExtraBold" panose="020B0004020202020204" pitchFamily="34" charset="0"/>
                 <a:hlinkClick r:id="rId2" action="ppaction://hlinksldjump"/>
               </a:rPr>
               <a:t>Country</a:t>
             </a:r>
-            <a:endParaRPr lang="en-US" dirty="0">
+            <a:endParaRPr lang="en-US" sz="2000" dirty="0">
               <a:latin typeface="Aptos ExtraBold" panose="020B0004020202020204" pitchFamily="34" charset="0"/>
             </a:endParaRPr>
           </a:p>
@@ -3874,8 +4081,8 @@
         </p:nvSpPr>
         <p:spPr>
           <a:xfrm>
-            <a:off x="5016759" y="1105992"/>
-            <a:ext cx="3564294" cy="1356049"/>
+            <a:off x="4027715" y="3327918"/>
+            <a:ext cx="1991964" cy="836645"/>
           </a:xfrm>
           <a:prstGeom prst="roundRect">
             <a:avLst/>
@@ -3911,7 +4118,7 @@
           <a:lstStyle/>
           <a:p>
             <a:pPr algn="ctr"/>
-            <a:endParaRPr lang="en-US"/>
+            <a:endParaRPr lang="en-US" sz="2000"/>
           </a:p>
         </p:txBody>
       </p:sp>
@@ -3930,8 +4137,8 @@
         </p:nvSpPr>
         <p:spPr>
           <a:xfrm>
-            <a:off x="5358881" y="1392131"/>
-            <a:ext cx="2836507" cy="707886"/>
+            <a:off x="4264143" y="3532811"/>
+            <a:ext cx="1585229" cy="413326"/>
           </a:xfrm>
           <a:prstGeom prst="rect">
             <a:avLst/>
@@ -3946,13 +4153,13 @@
           <a:p>
             <a:pPr algn="ctr"/>
             <a:r>
-              <a:rPr lang="en-US" sz="4000" dirty="0">
+              <a:rPr lang="en-US" sz="2000" dirty="0">
                 <a:latin typeface="Aptos ExtraBold" panose="020B0004020202020204" pitchFamily="34" charset="0"/>
                 <a:hlinkClick r:id="rId3" action="ppaction://hlinksldjump"/>
               </a:rPr>
               <a:t>Ethnicity</a:t>
             </a:r>
-            <a:endParaRPr lang="en-US" sz="4000" dirty="0">
+            <a:endParaRPr lang="en-US" sz="2000" dirty="0">
               <a:latin typeface="Aptos ExtraBold" panose="020B0004020202020204" pitchFamily="34" charset="0"/>
             </a:endParaRPr>
           </a:p>
@@ -3972,8 +4179,8 @@
         </p:nvSpPr>
         <p:spPr>
           <a:xfrm>
-            <a:off x="1175657" y="3068532"/>
-            <a:ext cx="3564294" cy="1356049"/>
+            <a:off x="6138470" y="3356978"/>
+            <a:ext cx="1991964" cy="836646"/>
           </a:xfrm>
           <a:prstGeom prst="roundRect">
             <a:avLst/>
@@ -4028,8 +4235,8 @@
         </p:nvSpPr>
         <p:spPr>
           <a:xfrm>
-            <a:off x="1517779" y="3354671"/>
-            <a:ext cx="2836507" cy="707886"/>
+            <a:off x="6338197" y="3563588"/>
+            <a:ext cx="1585229" cy="381531"/>
           </a:xfrm>
           <a:prstGeom prst="rect">
             <a:avLst/>
@@ -4044,13 +4251,13 @@
           <a:p>
             <a:pPr algn="ctr"/>
             <a:r>
-              <a:rPr lang="en-US" sz="4000" dirty="0">
+              <a:rPr lang="en-US" dirty="0">
                 <a:latin typeface="Aptos ExtraBold" panose="020B0004020202020204" pitchFamily="34" charset="0"/>
                 <a:hlinkClick r:id="rId4" action="ppaction://hlinksldjump"/>
               </a:rPr>
               <a:t>Gender</a:t>
             </a:r>
-            <a:endParaRPr lang="en-US" sz="4000" dirty="0">
+            <a:endParaRPr lang="en-US" dirty="0">
               <a:latin typeface="Aptos ExtraBold" panose="020B0004020202020204" pitchFamily="34" charset="0"/>
             </a:endParaRPr>
           </a:p>
@@ -4070,8 +4277,8 @@
         </p:nvSpPr>
         <p:spPr>
           <a:xfrm>
-            <a:off x="5016759" y="3068532"/>
-            <a:ext cx="3564294" cy="1356049"/>
+            <a:off x="8326017" y="3327918"/>
+            <a:ext cx="1991964" cy="836646"/>
           </a:xfrm>
           <a:prstGeom prst="roundRect">
             <a:avLst/>
@@ -4126,8 +4333,8 @@
         </p:nvSpPr>
         <p:spPr>
           <a:xfrm>
-            <a:off x="5253188" y="3107217"/>
-            <a:ext cx="3091436" cy="1200329"/>
+            <a:off x="8455784" y="3365220"/>
+            <a:ext cx="1727699" cy="667679"/>
           </a:xfrm>
           <a:prstGeom prst="rect">
             <a:avLst/>
@@ -4142,13 +4349,13 @@
           <a:p>
             <a:pPr algn="ctr"/>
             <a:r>
-              <a:rPr lang="en-US" sz="3600" dirty="0">
+              <a:rPr lang="en-US" dirty="0">
                 <a:latin typeface="Aptos ExtraBold" panose="020B0004020202020204" pitchFamily="34" charset="0"/>
                 <a:hlinkClick r:id="rId5" action="ppaction://hlinksldjump"/>
               </a:rPr>
               <a:t>Health Background</a:t>
             </a:r>
-            <a:endParaRPr lang="en-US" sz="4000" dirty="0">
+            <a:endParaRPr lang="en-US" dirty="0">
               <a:latin typeface="Aptos ExtraBold" panose="020B0004020202020204" pitchFamily="34" charset="0"/>
             </a:endParaRPr>
           </a:p>
@@ -4168,8 +4375,8 @@
         </p:nvSpPr>
         <p:spPr>
           <a:xfrm>
-            <a:off x="1119952" y="4811485"/>
-            <a:ext cx="3564294" cy="1356049"/>
+            <a:off x="3020007" y="4855028"/>
+            <a:ext cx="2954694" cy="836645"/>
           </a:xfrm>
           <a:prstGeom prst="roundRect">
             <a:avLst/>
@@ -4224,8 +4431,8 @@
         </p:nvSpPr>
         <p:spPr>
           <a:xfrm>
-            <a:off x="1462074" y="5097624"/>
-            <a:ext cx="2836507" cy="707886"/>
+            <a:off x="3259772" y="4936810"/>
+            <a:ext cx="2444542" cy="667679"/>
           </a:xfrm>
           <a:prstGeom prst="rect">
             <a:avLst/>
@@ -4240,15 +4447,209 @@
           <a:p>
             <a:pPr algn="ctr"/>
             <a:r>
-              <a:rPr lang="en-US" sz="2000" dirty="0">
+              <a:rPr lang="en-US" dirty="0">
                 <a:latin typeface="Aptos ExtraBold" panose="020B0004020202020204" pitchFamily="34" charset="0"/>
                 <a:hlinkClick r:id="rId6" action="ppaction://hlinksldjump"/>
               </a:rPr>
               <a:t>Thyroid-Stimulating Hormone (TSH) Level</a:t>
             </a:r>
-            <a:endParaRPr lang="en-US" sz="2000" dirty="0">
+            <a:endParaRPr lang="en-US" dirty="0">
               <a:latin typeface="Aptos ExtraBold" panose="020B0004020202020204" pitchFamily="34" charset="0"/>
             </a:endParaRPr>
+          </a:p>
+        </p:txBody>
+      </p:sp>
+      <p:sp>
+        <p:nvSpPr>
+          <p:cNvPr id="2" name="Rectangle: Rounded Corners 1">
+            <a:extLst>
+              <a:ext uri="{FF2B5EF4-FFF2-40B4-BE49-F238E27FC236}">
+                <a16:creationId xmlns:a16="http://schemas.microsoft.com/office/drawing/2014/main" id="{C2BF3200-8D85-14C5-12DE-D821CA3C460E}"/>
+              </a:ext>
+            </a:extLst>
+          </p:cNvPr>
+          <p:cNvSpPr/>
+          <p:nvPr/>
+        </p:nvSpPr>
+        <p:spPr>
+          <a:xfrm>
+            <a:off x="6089779" y="4855028"/>
+            <a:ext cx="2954694" cy="836645"/>
+          </a:xfrm>
+          <a:prstGeom prst="roundRect">
+            <a:avLst/>
+          </a:prstGeom>
+          <a:solidFill>
+            <a:schemeClr val="accent1">
+              <a:lumMod val="40000"/>
+              <a:lumOff val="60000"/>
+            </a:schemeClr>
+          </a:solidFill>
+          <a:ln>
+            <a:noFill/>
+          </a:ln>
+        </p:spPr>
+        <p:style>
+          <a:lnRef idx="2">
+            <a:schemeClr val="accent1">
+              <a:shade val="15000"/>
+            </a:schemeClr>
+          </a:lnRef>
+          <a:fillRef idx="1">
+            <a:schemeClr val="accent1"/>
+          </a:fillRef>
+          <a:effectRef idx="0">
+            <a:schemeClr val="accent1"/>
+          </a:effectRef>
+          <a:fontRef idx="minor">
+            <a:schemeClr val="lt1"/>
+          </a:fontRef>
+        </p:style>
+        <p:txBody>
+          <a:bodyPr rtlCol="0" anchor="ctr"/>
+          <a:lstStyle/>
+          <a:p>
+            <a:pPr algn="ctr"/>
+            <a:endParaRPr lang="en-US"/>
+          </a:p>
+        </p:txBody>
+      </p:sp>
+      <p:sp>
+        <p:nvSpPr>
+          <p:cNvPr id="3" name="TextBox 2">
+            <a:hlinkClick r:id="rId3" action="ppaction://hlinksldjump"/>
+            <a:extLst>
+              <a:ext uri="{FF2B5EF4-FFF2-40B4-BE49-F238E27FC236}">
+                <a16:creationId xmlns:a16="http://schemas.microsoft.com/office/drawing/2014/main" id="{F214A0A8-D5FC-1F7D-2C87-67933A66CB43}"/>
+              </a:ext>
+            </a:extLst>
+          </p:cNvPr>
+          <p:cNvSpPr txBox="1"/>
+          <p:nvPr/>
+        </p:nvSpPr>
+        <p:spPr>
+          <a:xfrm>
+            <a:off x="6317103" y="5079879"/>
+            <a:ext cx="2444542" cy="381531"/>
+          </a:xfrm>
+          <a:prstGeom prst="rect">
+            <a:avLst/>
+          </a:prstGeom>
+          <a:noFill/>
+        </p:spPr>
+        <p:txBody>
+          <a:bodyPr wrap="square" rtlCol="0">
+            <a:spAutoFit/>
+          </a:bodyPr>
+          <a:lstStyle/>
+          <a:p>
+            <a:pPr algn="ctr"/>
+            <a:r>
+              <a:rPr lang="en-US" dirty="0">
+                <a:latin typeface="Aptos ExtraBold" panose="020B0004020202020204" pitchFamily="34" charset="0"/>
+                <a:hlinkClick r:id="rId7" action="ppaction://hlinksldjump"/>
+              </a:rPr>
+              <a:t>Hormone Levels</a:t>
+            </a:r>
+            <a:endParaRPr lang="en-US" dirty="0">
+              <a:latin typeface="Aptos ExtraBold" panose="020B0004020202020204" pitchFamily="34" charset="0"/>
+            </a:endParaRPr>
+          </a:p>
+        </p:txBody>
+      </p:sp>
+      <p:sp>
+        <p:nvSpPr>
+          <p:cNvPr id="14" name="Rectangle: Rounded Corners 13">
+            <a:extLst>
+              <a:ext uri="{FF2B5EF4-FFF2-40B4-BE49-F238E27FC236}">
+                <a16:creationId xmlns:a16="http://schemas.microsoft.com/office/drawing/2014/main" id="{F89CF9D6-C5D2-8C1D-52B7-B7AED221C163}"/>
+              </a:ext>
+            </a:extLst>
+          </p:cNvPr>
+          <p:cNvSpPr/>
+          <p:nvPr/>
+        </p:nvSpPr>
+        <p:spPr>
+          <a:xfrm>
+            <a:off x="1256522" y="1175657"/>
+            <a:ext cx="9511004" cy="1225421"/>
+          </a:xfrm>
+          <a:prstGeom prst="roundRect">
+            <a:avLst/>
+          </a:prstGeom>
+          <a:solidFill>
+            <a:schemeClr val="accent2">
+              <a:lumMod val="40000"/>
+              <a:lumOff val="60000"/>
+            </a:schemeClr>
+          </a:solidFill>
+          <a:ln>
+            <a:noFill/>
+          </a:ln>
+        </p:spPr>
+        <p:style>
+          <a:lnRef idx="2">
+            <a:schemeClr val="accent1">
+              <a:shade val="15000"/>
+            </a:schemeClr>
+          </a:lnRef>
+          <a:fillRef idx="1">
+            <a:schemeClr val="accent1"/>
+          </a:fillRef>
+          <a:effectRef idx="0">
+            <a:schemeClr val="accent1"/>
+          </a:effectRef>
+          <a:fontRef idx="minor">
+            <a:schemeClr val="lt1"/>
+          </a:fontRef>
+        </p:style>
+        <p:txBody>
+          <a:bodyPr rtlCol="0" anchor="ctr"/>
+          <a:lstStyle/>
+          <a:p>
+            <a:pPr algn="ctr"/>
+            <a:endParaRPr lang="en-US"/>
+          </a:p>
+        </p:txBody>
+      </p:sp>
+      <p:sp>
+        <p:nvSpPr>
+          <p:cNvPr id="15" name="TextBox 14">
+            <a:extLst>
+              <a:ext uri="{FF2B5EF4-FFF2-40B4-BE49-F238E27FC236}">
+                <a16:creationId xmlns:a16="http://schemas.microsoft.com/office/drawing/2014/main" id="{00B29F0A-2534-0119-C4EB-EC69F8AB59C8}"/>
+              </a:ext>
+            </a:extLst>
+          </p:cNvPr>
+          <p:cNvSpPr txBox="1"/>
+          <p:nvPr/>
+        </p:nvSpPr>
+        <p:spPr>
+          <a:xfrm>
+            <a:off x="2848946" y="1337588"/>
+            <a:ext cx="7215674" cy="923330"/>
+          </a:xfrm>
+          <a:prstGeom prst="rect">
+            <a:avLst/>
+          </a:prstGeom>
+          <a:noFill/>
+        </p:spPr>
+        <p:txBody>
+          <a:bodyPr wrap="square" rtlCol="0">
+            <a:spAutoFit/>
+          </a:bodyPr>
+          <a:lstStyle/>
+          <a:p>
+            <a:r>
+              <a:rPr lang="en-US" sz="5400" b="1" dirty="0">
+                <a:solidFill>
+                  <a:schemeClr val="accent2">
+                    <a:lumMod val="50000"/>
+                  </a:schemeClr>
+                </a:solidFill>
+              </a:rPr>
+              <a:t>Thyroid Cancer Risk</a:t>
+            </a:r>
           </a:p>
         </p:txBody>
       </p:sp>
@@ -4290,166 +4691,12 @@
           <a:chExt cx="0" cy="0"/>
         </a:xfrm>
       </p:grpSpPr>
-      <p:sp useBgFill="1">
-        <p:nvSpPr>
-          <p:cNvPr id="20" name="Rectangle 19">
-            <a:extLst>
-              <a:ext uri="{FF2B5EF4-FFF2-40B4-BE49-F238E27FC236}">
-                <a16:creationId xmlns:a16="http://schemas.microsoft.com/office/drawing/2014/main" id="{42A4FC2C-047E-45A5-965D-8E1E3BF09BC6}"/>
-              </a:ext>
-              <a:ext uri="{C183D7F6-B498-43B3-948B-1728B52AA6E4}">
-                <adec:decorative xmlns:adec="http://schemas.microsoft.com/office/drawing/2017/decorative" val="1"/>
-              </a:ext>
-            </a:extLst>
-          </p:cNvPr>
-          <p:cNvSpPr>
-            <a:spLocks noGrp="1" noRot="1" noChangeAspect="1" noMove="1" noResize="1" noEditPoints="1" noAdjustHandles="1" noChangeArrowheads="1" noChangeShapeType="1" noTextEdit="1"/>
-          </p:cNvSpPr>
-          <p:nvPr>
-            <p:extLst>
-              <p:ext uri="{386F3935-93C4-4BCD-93E2-E3B085C9AB24}">
-                <p16:designElem xmlns:p16="http://schemas.microsoft.com/office/powerpoint/2015/main" val="1"/>
-              </p:ext>
-            </p:extLst>
-          </p:nvPr>
-        </p:nvSpPr>
-        <p:spPr bwMode="white">
-          <a:xfrm>
-            <a:off x="1524" y="0"/>
-            <a:ext cx="12188952" cy="6858000"/>
-          </a:xfrm>
-          <a:prstGeom prst="rect">
-            <a:avLst/>
-          </a:prstGeom>
-          <a:ln>
-            <a:noFill/>
-          </a:ln>
-        </p:spPr>
-        <p:style>
-          <a:lnRef idx="2">
-            <a:schemeClr val="accent1">
-              <a:shade val="50000"/>
-            </a:schemeClr>
-          </a:lnRef>
-          <a:fillRef idx="1">
-            <a:schemeClr val="accent1"/>
-          </a:fillRef>
-          <a:effectRef idx="0">
-            <a:schemeClr val="accent1"/>
-          </a:effectRef>
-          <a:fontRef idx="minor">
-            <a:schemeClr val="lt1"/>
-          </a:fontRef>
-        </p:style>
-        <p:txBody>
-          <a:bodyPr rtlCol="0" anchor="ctr"/>
-          <a:lstStyle>
-            <a:defPPr>
-              <a:defRPr lang="en-US"/>
-            </a:defPPr>
-            <a:lvl1pPr marL="0" algn="l" defTabSz="914400" rtl="0" eaLnBrk="1" latinLnBrk="0" hangingPunct="1">
-              <a:defRPr sz="1800" kern="1200">
-                <a:solidFill>
-                  <a:schemeClr val="lt1"/>
-                </a:solidFill>
-                <a:latin typeface="+mn-lt"/>
-                <a:ea typeface="+mn-ea"/>
-                <a:cs typeface="+mn-cs"/>
-              </a:defRPr>
-            </a:lvl1pPr>
-            <a:lvl2pPr marL="457200" algn="l" defTabSz="914400" rtl="0" eaLnBrk="1" latinLnBrk="0" hangingPunct="1">
-              <a:defRPr sz="1800" kern="1200">
-                <a:solidFill>
-                  <a:schemeClr val="lt1"/>
-                </a:solidFill>
-                <a:latin typeface="+mn-lt"/>
-                <a:ea typeface="+mn-ea"/>
-                <a:cs typeface="+mn-cs"/>
-              </a:defRPr>
-            </a:lvl2pPr>
-            <a:lvl3pPr marL="914400" algn="l" defTabSz="914400" rtl="0" eaLnBrk="1" latinLnBrk="0" hangingPunct="1">
-              <a:defRPr sz="1800" kern="1200">
-                <a:solidFill>
-                  <a:schemeClr val="lt1"/>
-                </a:solidFill>
-                <a:latin typeface="+mn-lt"/>
-                <a:ea typeface="+mn-ea"/>
-                <a:cs typeface="+mn-cs"/>
-              </a:defRPr>
-            </a:lvl3pPr>
-            <a:lvl4pPr marL="1371600" algn="l" defTabSz="914400" rtl="0" eaLnBrk="1" latinLnBrk="0" hangingPunct="1">
-              <a:defRPr sz="1800" kern="1200">
-                <a:solidFill>
-                  <a:schemeClr val="lt1"/>
-                </a:solidFill>
-                <a:latin typeface="+mn-lt"/>
-                <a:ea typeface="+mn-ea"/>
-                <a:cs typeface="+mn-cs"/>
-              </a:defRPr>
-            </a:lvl4pPr>
-            <a:lvl5pPr marL="1828800" algn="l" defTabSz="914400" rtl="0" eaLnBrk="1" latinLnBrk="0" hangingPunct="1">
-              <a:defRPr sz="1800" kern="1200">
-                <a:solidFill>
-                  <a:schemeClr val="lt1"/>
-                </a:solidFill>
-                <a:latin typeface="+mn-lt"/>
-                <a:ea typeface="+mn-ea"/>
-                <a:cs typeface="+mn-cs"/>
-              </a:defRPr>
-            </a:lvl5pPr>
-            <a:lvl6pPr marL="2286000" algn="l" defTabSz="914400" rtl="0" eaLnBrk="1" latinLnBrk="0" hangingPunct="1">
-              <a:defRPr sz="1800" kern="1200">
-                <a:solidFill>
-                  <a:schemeClr val="lt1"/>
-                </a:solidFill>
-                <a:latin typeface="+mn-lt"/>
-                <a:ea typeface="+mn-ea"/>
-                <a:cs typeface="+mn-cs"/>
-              </a:defRPr>
-            </a:lvl6pPr>
-            <a:lvl7pPr marL="2743200" algn="l" defTabSz="914400" rtl="0" eaLnBrk="1" latinLnBrk="0" hangingPunct="1">
-              <a:defRPr sz="1800" kern="1200">
-                <a:solidFill>
-                  <a:schemeClr val="lt1"/>
-                </a:solidFill>
-                <a:latin typeface="+mn-lt"/>
-                <a:ea typeface="+mn-ea"/>
-                <a:cs typeface="+mn-cs"/>
-              </a:defRPr>
-            </a:lvl7pPr>
-            <a:lvl8pPr marL="3200400" algn="l" defTabSz="914400" rtl="0" eaLnBrk="1" latinLnBrk="0" hangingPunct="1">
-              <a:defRPr sz="1800" kern="1200">
-                <a:solidFill>
-                  <a:schemeClr val="lt1"/>
-                </a:solidFill>
-                <a:latin typeface="+mn-lt"/>
-                <a:ea typeface="+mn-ea"/>
-                <a:cs typeface="+mn-cs"/>
-              </a:defRPr>
-            </a:lvl8pPr>
-            <a:lvl9pPr marL="3657600" algn="l" defTabSz="914400" rtl="0" eaLnBrk="1" latinLnBrk="0" hangingPunct="1">
-              <a:defRPr sz="1800" kern="1200">
-                <a:solidFill>
-                  <a:schemeClr val="lt1"/>
-                </a:solidFill>
-                <a:latin typeface="+mn-lt"/>
-                <a:ea typeface="+mn-ea"/>
-                <a:cs typeface="+mn-cs"/>
-              </a:defRPr>
-            </a:lvl9pPr>
-          </a:lstStyle>
-          <a:p>
-            <a:pPr algn="ctr"/>
-            <a:endParaRPr lang="en-US"/>
-          </a:p>
-        </p:txBody>
-      </p:sp>
       <p:pic>
         <p:nvPicPr>
-          <p:cNvPr id="9" name="Picture 8">
-            <a:extLst>
-              <a:ext uri="{FF2B5EF4-FFF2-40B4-BE49-F238E27FC236}">
-                <a16:creationId xmlns:a16="http://schemas.microsoft.com/office/drawing/2014/main" id="{44329146-951B-AC95-67D0-7EEAC6711652}"/>
+          <p:cNvPr id="6" name="Picture 5">
+            <a:extLst>
+              <a:ext uri="{FF2B5EF4-FFF2-40B4-BE49-F238E27FC236}">
+                <a16:creationId xmlns:a16="http://schemas.microsoft.com/office/drawing/2014/main" id="{A2B8644B-870B-A628-05DF-88DA0E9C4F77}"/>
               </a:ext>
             </a:extLst>
           </p:cNvPr>
@@ -4460,26 +4707,77 @@
         </p:nvPicPr>
         <p:blipFill>
           <a:blip r:embed="rId2"/>
-          <a:stretch>
-            <a:fillRect/>
-          </a:stretch>
+          <a:srcRect l="12219"/>
+          <a:stretch/>
         </p:blipFill>
         <p:spPr>
           <a:xfrm>
-            <a:off x="173172" y="883644"/>
-            <a:ext cx="6169289" cy="4493018"/>
+            <a:off x="335281" y="1573887"/>
+            <a:ext cx="3472656" cy="3530783"/>
           </a:xfrm>
           <a:prstGeom prst="rect">
             <a:avLst/>
           </a:prstGeom>
         </p:spPr>
       </p:pic>
+      <p:cxnSp>
+        <p:nvCxnSpPr>
+          <p:cNvPr id="25" name="Straight Connector 24">
+            <a:extLst>
+              <a:ext uri="{FF2B5EF4-FFF2-40B4-BE49-F238E27FC236}">
+                <a16:creationId xmlns:a16="http://schemas.microsoft.com/office/drawing/2014/main" id="{DCD67800-37AC-4E14-89B0-F79DCB3FB86D}"/>
+              </a:ext>
+              <a:ext uri="{C183D7F6-B498-43B3-948B-1728B52AA6E4}">
+                <adec:decorative xmlns:adec="http://schemas.microsoft.com/office/drawing/2017/decorative" val="1"/>
+              </a:ext>
+            </a:extLst>
+          </p:cNvPr>
+          <p:cNvCxnSpPr>
+            <a:cxnSpLocks noGrp="1" noRot="1" noChangeAspect="1" noMove="1" noResize="1" noEditPoints="1" noAdjustHandles="1" noChangeArrowheads="1" noChangeShapeType="1"/>
+          </p:cNvCxnSpPr>
+          <p:nvPr>
+            <p:extLst>
+              <p:ext uri="{386F3935-93C4-4BCD-93E2-E3B085C9AB24}">
+                <p16:designElem xmlns:p16="http://schemas.microsoft.com/office/powerpoint/2015/main" val="1"/>
+              </p:ext>
+            </p:extLst>
+          </p:nvPr>
+        </p:nvCxnSpPr>
+        <p:spPr>
+          <a:xfrm>
+            <a:off x="4165600" y="1573887"/>
+            <a:ext cx="0" cy="3710227"/>
+          </a:xfrm>
+          <a:prstGeom prst="line">
+            <a:avLst/>
+          </a:prstGeom>
+          <a:ln w="19050">
+            <a:solidFill>
+              <a:srgbClr val="7F7F7F"/>
+            </a:solidFill>
+          </a:ln>
+        </p:spPr>
+        <p:style>
+          <a:lnRef idx="1">
+            <a:schemeClr val="accent1"/>
+          </a:lnRef>
+          <a:fillRef idx="0">
+            <a:schemeClr val="accent1"/>
+          </a:fillRef>
+          <a:effectRef idx="0">
+            <a:schemeClr val="accent1"/>
+          </a:effectRef>
+          <a:fontRef idx="minor">
+            <a:schemeClr val="tx1"/>
+          </a:fontRef>
+        </p:style>
+      </p:cxnSp>
       <p:pic>
         <p:nvPicPr>
-          <p:cNvPr id="12" name="Picture 11">
-            <a:extLst>
-              <a:ext uri="{FF2B5EF4-FFF2-40B4-BE49-F238E27FC236}">
-                <a16:creationId xmlns:a16="http://schemas.microsoft.com/office/drawing/2014/main" id="{057964F3-948F-87F9-9A11-6B9DCAF89F02}"/>
+          <p:cNvPr id="3" name="Picture 2">
+            <a:extLst>
+              <a:ext uri="{FF2B5EF4-FFF2-40B4-BE49-F238E27FC236}">
+                <a16:creationId xmlns:a16="http://schemas.microsoft.com/office/drawing/2014/main" id="{41E17133-752C-1C62-704A-9464BAF20DC9}"/>
               </a:ext>
             </a:extLst>
           </p:cNvPr>
@@ -4490,26 +4788,77 @@
         </p:nvPicPr>
         <p:blipFill>
           <a:blip r:embed="rId3"/>
-          <a:stretch>
-            <a:fillRect/>
-          </a:stretch>
+          <a:srcRect l="6137" r="4060"/>
+          <a:stretch/>
         </p:blipFill>
         <p:spPr>
           <a:xfrm>
-            <a:off x="7032392" y="368831"/>
-            <a:ext cx="4468152" cy="3241380"/>
+            <a:off x="4310676" y="2052199"/>
+            <a:ext cx="3537345" cy="2747456"/>
           </a:xfrm>
           <a:prstGeom prst="rect">
             <a:avLst/>
           </a:prstGeom>
         </p:spPr>
       </p:pic>
+      <p:cxnSp>
+        <p:nvCxnSpPr>
+          <p:cNvPr id="27" name="Straight Connector 26">
+            <a:extLst>
+              <a:ext uri="{FF2B5EF4-FFF2-40B4-BE49-F238E27FC236}">
+                <a16:creationId xmlns:a16="http://schemas.microsoft.com/office/drawing/2014/main" id="{20F1788F-A5AE-4188-8274-F7F2E3833ECD}"/>
+              </a:ext>
+              <a:ext uri="{C183D7F6-B498-43B3-948B-1728B52AA6E4}">
+                <adec:decorative xmlns:adec="http://schemas.microsoft.com/office/drawing/2017/decorative" val="1"/>
+              </a:ext>
+            </a:extLst>
+          </p:cNvPr>
+          <p:cNvCxnSpPr>
+            <a:cxnSpLocks noGrp="1" noRot="1" noChangeAspect="1" noMove="1" noResize="1" noEditPoints="1" noAdjustHandles="1" noChangeArrowheads="1" noChangeShapeType="1"/>
+          </p:cNvCxnSpPr>
+          <p:nvPr>
+            <p:extLst>
+              <p:ext uri="{386F3935-93C4-4BCD-93E2-E3B085C9AB24}">
+                <p16:designElem xmlns:p16="http://schemas.microsoft.com/office/powerpoint/2015/main" val="1"/>
+              </p:ext>
+            </p:extLst>
+          </p:nvPr>
+        </p:nvCxnSpPr>
+        <p:spPr>
+          <a:xfrm>
+            <a:off x="7995920" y="1573887"/>
+            <a:ext cx="0" cy="3710227"/>
+          </a:xfrm>
+          <a:prstGeom prst="line">
+            <a:avLst/>
+          </a:prstGeom>
+          <a:ln w="19050">
+            <a:solidFill>
+              <a:srgbClr val="7F7F7F"/>
+            </a:solidFill>
+          </a:ln>
+        </p:spPr>
+        <p:style>
+          <a:lnRef idx="1">
+            <a:schemeClr val="accent1"/>
+          </a:lnRef>
+          <a:fillRef idx="0">
+            <a:schemeClr val="accent1"/>
+          </a:fillRef>
+          <a:effectRef idx="0">
+            <a:schemeClr val="accent1"/>
+          </a:effectRef>
+          <a:fontRef idx="minor">
+            <a:schemeClr val="tx1"/>
+          </a:fontRef>
+        </p:style>
+      </p:cxnSp>
       <p:pic>
         <p:nvPicPr>
-          <p:cNvPr id="22" name="Picture 21">
-            <a:extLst>
-              <a:ext uri="{FF2B5EF4-FFF2-40B4-BE49-F238E27FC236}">
-                <a16:creationId xmlns:a16="http://schemas.microsoft.com/office/drawing/2014/main" id="{F6F8431E-27FD-D943-C80A-A831A34543CF}"/>
+          <p:cNvPr id="12" name="Picture 11">
+            <a:extLst>
+              <a:ext uri="{FF2B5EF4-FFF2-40B4-BE49-F238E27FC236}">
+                <a16:creationId xmlns:a16="http://schemas.microsoft.com/office/drawing/2014/main" id="{057964F3-948F-87F9-9A11-6B9DCAF89F02}"/>
               </a:ext>
             </a:extLst>
           </p:cNvPr>
@@ -4520,19 +4869,102 @@
         </p:nvPicPr>
         <p:blipFill>
           <a:blip r:embed="rId4"/>
-          <a:srcRect t="2544" r="880"/>
-          <a:stretch/>
+          <a:stretch>
+            <a:fillRect/>
+          </a:stretch>
         </p:blipFill>
         <p:spPr>
           <a:xfrm>
-            <a:off x="6342461" y="3800826"/>
-            <a:ext cx="5803518" cy="2937160"/>
+            <a:off x="8162336" y="2150972"/>
+            <a:ext cx="3517120" cy="2549912"/>
           </a:xfrm>
           <a:prstGeom prst="rect">
             <a:avLst/>
           </a:prstGeom>
         </p:spPr>
       </p:pic>
+      <p:sp>
+        <p:nvSpPr>
+          <p:cNvPr id="7" name="TextBox 6">
+            <a:extLst>
+              <a:ext uri="{FF2B5EF4-FFF2-40B4-BE49-F238E27FC236}">
+                <a16:creationId xmlns:a16="http://schemas.microsoft.com/office/drawing/2014/main" id="{22A90500-BC7D-B268-0C42-19D8010A1218}"/>
+              </a:ext>
+            </a:extLst>
+          </p:cNvPr>
+          <p:cNvSpPr txBox="1"/>
+          <p:nvPr/>
+        </p:nvSpPr>
+        <p:spPr>
+          <a:xfrm>
+            <a:off x="438534" y="376313"/>
+            <a:ext cx="3537344" cy="584775"/>
+          </a:xfrm>
+          <a:prstGeom prst="rect">
+            <a:avLst/>
+          </a:prstGeom>
+          <a:noFill/>
+        </p:spPr>
+        <p:txBody>
+          <a:bodyPr wrap="square" rtlCol="0">
+            <a:spAutoFit/>
+          </a:bodyPr>
+          <a:lstStyle/>
+          <a:p>
+            <a:r>
+              <a:rPr lang="en-US" sz="3200" b="1" dirty="0">
+                <a:solidFill>
+                  <a:schemeClr val="tx2"/>
+                </a:solidFill>
+              </a:rPr>
+              <a:t>Country Graphs</a:t>
+            </a:r>
+            <a:endParaRPr lang="en-US" b="1" dirty="0">
+              <a:solidFill>
+                <a:schemeClr val="tx2"/>
+              </a:solidFill>
+            </a:endParaRPr>
+          </a:p>
+        </p:txBody>
+      </p:sp>
+      <p:cxnSp>
+        <p:nvCxnSpPr>
+          <p:cNvPr id="9" name="Straight Connector 8">
+            <a:extLst>
+              <a:ext uri="{FF2B5EF4-FFF2-40B4-BE49-F238E27FC236}">
+                <a16:creationId xmlns:a16="http://schemas.microsoft.com/office/drawing/2014/main" id="{E487647A-2028-E363-A5FC-CA4E281D14E1}"/>
+              </a:ext>
+            </a:extLst>
+          </p:cNvPr>
+          <p:cNvCxnSpPr>
+            <a:cxnSpLocks/>
+          </p:cNvCxnSpPr>
+          <p:nvPr/>
+        </p:nvCxnSpPr>
+        <p:spPr>
+          <a:xfrm>
+            <a:off x="438534" y="933062"/>
+            <a:ext cx="3627545" cy="0"/>
+          </a:xfrm>
+          <a:prstGeom prst="line">
+            <a:avLst/>
+          </a:prstGeom>
+        </p:spPr>
+        <p:style>
+          <a:lnRef idx="2">
+            <a:schemeClr val="accent1"/>
+          </a:lnRef>
+          <a:fillRef idx="0">
+            <a:schemeClr val="accent1"/>
+          </a:fillRef>
+          <a:effectRef idx="1">
+            <a:schemeClr val="accent1"/>
+          </a:effectRef>
+          <a:fontRef idx="minor">
+            <a:schemeClr val="tx1"/>
+          </a:fontRef>
+        </p:style>
+      </p:cxnSp>
     </p:spTree>
     <p:extLst>
       <p:ext uri="{BB962C8B-B14F-4D97-AF65-F5344CB8AC3E}">
@@ -4666,6 +5098,88 @@
           </a:prstGeom>
         </p:spPr>
       </p:pic>
+      <p:sp>
+        <p:nvSpPr>
+          <p:cNvPr id="2" name="TextBox 1">
+            <a:extLst>
+              <a:ext uri="{FF2B5EF4-FFF2-40B4-BE49-F238E27FC236}">
+                <a16:creationId xmlns:a16="http://schemas.microsoft.com/office/drawing/2014/main" id="{9447A784-958B-C152-F903-B689F984135B}"/>
+              </a:ext>
+            </a:extLst>
+          </p:cNvPr>
+          <p:cNvSpPr txBox="1"/>
+          <p:nvPr/>
+        </p:nvSpPr>
+        <p:spPr>
+          <a:xfrm>
+            <a:off x="438534" y="376313"/>
+            <a:ext cx="3537344" cy="584775"/>
+          </a:xfrm>
+          <a:prstGeom prst="rect">
+            <a:avLst/>
+          </a:prstGeom>
+          <a:noFill/>
+        </p:spPr>
+        <p:txBody>
+          <a:bodyPr wrap="square" rtlCol="0">
+            <a:spAutoFit/>
+          </a:bodyPr>
+          <a:lstStyle/>
+          <a:p>
+            <a:r>
+              <a:rPr lang="en-US" sz="3200" b="1" dirty="0">
+                <a:solidFill>
+                  <a:schemeClr val="tx2"/>
+                </a:solidFill>
+              </a:rPr>
+              <a:t>Ethnicity Graphs</a:t>
+            </a:r>
+            <a:endParaRPr lang="en-US" b="1" dirty="0">
+              <a:solidFill>
+                <a:schemeClr val="tx2"/>
+              </a:solidFill>
+            </a:endParaRPr>
+          </a:p>
+        </p:txBody>
+      </p:sp>
+      <p:cxnSp>
+        <p:nvCxnSpPr>
+          <p:cNvPr id="5" name="Straight Connector 4">
+            <a:extLst>
+              <a:ext uri="{FF2B5EF4-FFF2-40B4-BE49-F238E27FC236}">
+                <a16:creationId xmlns:a16="http://schemas.microsoft.com/office/drawing/2014/main" id="{D8758986-AF6A-3791-3B11-87ADA8FC8566}"/>
+              </a:ext>
+            </a:extLst>
+          </p:cNvPr>
+          <p:cNvCxnSpPr>
+            <a:cxnSpLocks/>
+          </p:cNvCxnSpPr>
+          <p:nvPr/>
+        </p:nvCxnSpPr>
+        <p:spPr>
+          <a:xfrm>
+            <a:off x="438534" y="933062"/>
+            <a:ext cx="3627545" cy="0"/>
+          </a:xfrm>
+          <a:prstGeom prst="line">
+            <a:avLst/>
+          </a:prstGeom>
+        </p:spPr>
+        <p:style>
+          <a:lnRef idx="2">
+            <a:schemeClr val="accent1"/>
+          </a:lnRef>
+          <a:fillRef idx="0">
+            <a:schemeClr val="accent1"/>
+          </a:fillRef>
+          <a:effectRef idx="1">
+            <a:schemeClr val="accent1"/>
+          </a:effectRef>
+          <a:fontRef idx="minor">
+            <a:schemeClr val="tx1"/>
+          </a:fontRef>
+        </p:style>
+      </p:cxnSp>
     </p:spTree>
     <p:extLst>
       <p:ext uri="{BB962C8B-B14F-4D97-AF65-F5344CB8AC3E}">
@@ -4726,8 +5240,8 @@
         </p:blipFill>
         <p:spPr>
           <a:xfrm>
-            <a:off x="6963346" y="219944"/>
-            <a:ext cx="4867209" cy="3419214"/>
+            <a:off x="948268" y="3994945"/>
+            <a:ext cx="3978295" cy="2794752"/>
           </a:xfrm>
           <a:prstGeom prst="rect">
             <a:avLst/>
@@ -4756,8 +5270,8 @@
         </p:blipFill>
         <p:spPr>
           <a:xfrm>
-            <a:off x="6376524" y="3661645"/>
-            <a:ext cx="5511874" cy="2976411"/>
+            <a:off x="6668883" y="3994945"/>
+            <a:ext cx="5118790" cy="2764146"/>
           </a:xfrm>
           <a:prstGeom prst="rect">
             <a:avLst/>
@@ -4766,10 +5280,10 @@
       </p:pic>
       <p:pic>
         <p:nvPicPr>
-          <p:cNvPr id="4" name="Picture 3">
-            <a:extLst>
-              <a:ext uri="{FF2B5EF4-FFF2-40B4-BE49-F238E27FC236}">
-                <a16:creationId xmlns:a16="http://schemas.microsoft.com/office/drawing/2014/main" id="{387E8FFD-D5D5-D039-E3D5-695BE0537D45}"/>
+          <p:cNvPr id="6" name="Picture 5">
+            <a:extLst>
+              <a:ext uri="{FF2B5EF4-FFF2-40B4-BE49-F238E27FC236}">
+                <a16:creationId xmlns:a16="http://schemas.microsoft.com/office/drawing/2014/main" id="{8B5BB69C-E1F6-8419-D0AF-216B12BB8927}"/>
               </a:ext>
             </a:extLst>
           </p:cNvPr>
@@ -4786,14 +5300,96 @@
         </p:blipFill>
         <p:spPr>
           <a:xfrm>
-            <a:off x="123407" y="1110376"/>
-            <a:ext cx="6253117" cy="4420702"/>
+            <a:off x="1339221" y="942343"/>
+            <a:ext cx="9513558" cy="3024577"/>
           </a:xfrm>
           <a:prstGeom prst="rect">
             <a:avLst/>
           </a:prstGeom>
         </p:spPr>
       </p:pic>
+      <p:sp>
+        <p:nvSpPr>
+          <p:cNvPr id="2" name="TextBox 1">
+            <a:extLst>
+              <a:ext uri="{FF2B5EF4-FFF2-40B4-BE49-F238E27FC236}">
+                <a16:creationId xmlns:a16="http://schemas.microsoft.com/office/drawing/2014/main" id="{4D18E9BE-C47E-698B-6D7C-0D1370DE90A2}"/>
+              </a:ext>
+            </a:extLst>
+          </p:cNvPr>
+          <p:cNvSpPr txBox="1"/>
+          <p:nvPr/>
+        </p:nvSpPr>
+        <p:spPr>
+          <a:xfrm>
+            <a:off x="438534" y="376313"/>
+            <a:ext cx="3537344" cy="584775"/>
+          </a:xfrm>
+          <a:prstGeom prst="rect">
+            <a:avLst/>
+          </a:prstGeom>
+          <a:noFill/>
+        </p:spPr>
+        <p:txBody>
+          <a:bodyPr wrap="square" rtlCol="0">
+            <a:spAutoFit/>
+          </a:bodyPr>
+          <a:lstStyle/>
+          <a:p>
+            <a:r>
+              <a:rPr lang="en-US" sz="3200" b="1" dirty="0">
+                <a:solidFill>
+                  <a:schemeClr val="tx2"/>
+                </a:solidFill>
+              </a:rPr>
+              <a:t>Gender Graphs</a:t>
+            </a:r>
+            <a:endParaRPr lang="en-US" b="1" dirty="0">
+              <a:solidFill>
+                <a:schemeClr val="tx2"/>
+              </a:solidFill>
+            </a:endParaRPr>
+          </a:p>
+        </p:txBody>
+      </p:sp>
+      <p:cxnSp>
+        <p:nvCxnSpPr>
+          <p:cNvPr id="4" name="Straight Connector 3">
+            <a:extLst>
+              <a:ext uri="{FF2B5EF4-FFF2-40B4-BE49-F238E27FC236}">
+                <a16:creationId xmlns:a16="http://schemas.microsoft.com/office/drawing/2014/main" id="{3705F36C-1765-E0FC-80E7-8F56AA08653D}"/>
+              </a:ext>
+            </a:extLst>
+          </p:cNvPr>
+          <p:cNvCxnSpPr>
+            <a:cxnSpLocks/>
+          </p:cNvCxnSpPr>
+          <p:nvPr/>
+        </p:nvCxnSpPr>
+        <p:spPr>
+          <a:xfrm>
+            <a:off x="438534" y="933062"/>
+            <a:ext cx="3627545" cy="0"/>
+          </a:xfrm>
+          <a:prstGeom prst="line">
+            <a:avLst/>
+          </a:prstGeom>
+        </p:spPr>
+        <p:style>
+          <a:lnRef idx="2">
+            <a:schemeClr val="accent1"/>
+          </a:lnRef>
+          <a:fillRef idx="0">
+            <a:schemeClr val="accent1"/>
+          </a:fillRef>
+          <a:effectRef idx="1">
+            <a:schemeClr val="accent1"/>
+          </a:effectRef>
+          <a:fontRef idx="minor">
+            <a:schemeClr val="tx1"/>
+          </a:fontRef>
+        </p:style>
+      </p:cxnSp>
     </p:spTree>
     <p:extLst>
       <p:ext uri="{BB962C8B-B14F-4D97-AF65-F5344CB8AC3E}">
@@ -4826,10 +5422,10 @@
       </p:grpSpPr>
       <p:pic>
         <p:nvPicPr>
-          <p:cNvPr id="7" name="Picture 6">
-            <a:extLst>
-              <a:ext uri="{FF2B5EF4-FFF2-40B4-BE49-F238E27FC236}">
-                <a16:creationId xmlns:a16="http://schemas.microsoft.com/office/drawing/2014/main" id="{23F6B53C-7CFC-1AC6-65EC-87C23C81B260}"/>
+          <p:cNvPr id="4" name="Picture 3">
+            <a:extLst>
+              <a:ext uri="{FF2B5EF4-FFF2-40B4-BE49-F238E27FC236}">
+                <a16:creationId xmlns:a16="http://schemas.microsoft.com/office/drawing/2014/main" id="{F30595F4-2C2D-6A4D-4A0E-97BB3BF7D2DF}"/>
               </a:ext>
             </a:extLst>
           </p:cNvPr>
@@ -4846,14 +5442,126 @@
         </p:blipFill>
         <p:spPr>
           <a:xfrm>
-            <a:off x="721584" y="475838"/>
-            <a:ext cx="10898121" cy="5906324"/>
+            <a:off x="6096000" y="1846728"/>
+            <a:ext cx="5766879" cy="3164543"/>
           </a:xfrm>
           <a:prstGeom prst="rect">
             <a:avLst/>
           </a:prstGeom>
         </p:spPr>
       </p:pic>
+      <p:pic>
+        <p:nvPicPr>
+          <p:cNvPr id="6" name="Picture 5">
+            <a:extLst>
+              <a:ext uri="{FF2B5EF4-FFF2-40B4-BE49-F238E27FC236}">
+                <a16:creationId xmlns:a16="http://schemas.microsoft.com/office/drawing/2014/main" id="{6537F929-E19D-86C9-975E-F44E285B5A98}"/>
+              </a:ext>
+            </a:extLst>
+          </p:cNvPr>
+          <p:cNvPicPr>
+            <a:picLocks noChangeAspect="1"/>
+          </p:cNvPicPr>
+          <p:nvPr/>
+        </p:nvPicPr>
+        <p:blipFill>
+          <a:blip r:embed="rId3"/>
+          <a:stretch>
+            <a:fillRect/>
+          </a:stretch>
+        </p:blipFill>
+        <p:spPr>
+          <a:xfrm>
+            <a:off x="59360" y="1806545"/>
+            <a:ext cx="5908963" cy="3244907"/>
+          </a:xfrm>
+          <a:prstGeom prst="rect">
+            <a:avLst/>
+          </a:prstGeom>
+        </p:spPr>
+      </p:pic>
+      <p:sp>
+        <p:nvSpPr>
+          <p:cNvPr id="8" name="TextBox 7">
+            <a:extLst>
+              <a:ext uri="{FF2B5EF4-FFF2-40B4-BE49-F238E27FC236}">
+                <a16:creationId xmlns:a16="http://schemas.microsoft.com/office/drawing/2014/main" id="{1782101B-73E2-E82C-3E46-EC627D7C1EE6}"/>
+              </a:ext>
+            </a:extLst>
+          </p:cNvPr>
+          <p:cNvSpPr txBox="1"/>
+          <p:nvPr/>
+        </p:nvSpPr>
+        <p:spPr>
+          <a:xfrm>
+            <a:off x="438534" y="376313"/>
+            <a:ext cx="5234478" cy="584775"/>
+          </a:xfrm>
+          <a:prstGeom prst="rect">
+            <a:avLst/>
+          </a:prstGeom>
+          <a:noFill/>
+        </p:spPr>
+        <p:txBody>
+          <a:bodyPr wrap="square" rtlCol="0">
+            <a:spAutoFit/>
+          </a:bodyPr>
+          <a:lstStyle/>
+          <a:p>
+            <a:r>
+              <a:rPr lang="en-US" sz="3200" b="1" dirty="0">
+                <a:solidFill>
+                  <a:schemeClr val="tx2"/>
+                </a:solidFill>
+              </a:rPr>
+              <a:t>Health Background Graphs</a:t>
+            </a:r>
+            <a:endParaRPr lang="en-US" b="1" dirty="0">
+              <a:solidFill>
+                <a:schemeClr val="tx2"/>
+              </a:solidFill>
+            </a:endParaRPr>
+          </a:p>
+        </p:txBody>
+      </p:sp>
+      <p:cxnSp>
+        <p:nvCxnSpPr>
+          <p:cNvPr id="9" name="Straight Connector 8">
+            <a:extLst>
+              <a:ext uri="{FF2B5EF4-FFF2-40B4-BE49-F238E27FC236}">
+                <a16:creationId xmlns:a16="http://schemas.microsoft.com/office/drawing/2014/main" id="{395E0DC6-BD7E-C89C-FEA8-6CF2104F2B4C}"/>
+              </a:ext>
+            </a:extLst>
+          </p:cNvPr>
+          <p:cNvCxnSpPr>
+            <a:cxnSpLocks/>
+          </p:cNvCxnSpPr>
+          <p:nvPr/>
+        </p:nvCxnSpPr>
+        <p:spPr>
+          <a:xfrm>
+            <a:off x="438534" y="933062"/>
+            <a:ext cx="5166054" cy="0"/>
+          </a:xfrm>
+          <a:prstGeom prst="line">
+            <a:avLst/>
+          </a:prstGeom>
+        </p:spPr>
+        <p:style>
+          <a:lnRef idx="2">
+            <a:schemeClr val="accent1"/>
+          </a:lnRef>
+          <a:fillRef idx="0">
+            <a:schemeClr val="accent1"/>
+          </a:fillRef>
+          <a:effectRef idx="1">
+            <a:schemeClr val="accent1"/>
+          </a:effectRef>
+          <a:fontRef idx="minor">
+            <a:schemeClr val="tx1"/>
+          </a:fontRef>
+        </p:style>
+      </p:cxnSp>
     </p:spTree>
     <p:extLst>
       <p:ext uri="{BB962C8B-B14F-4D97-AF65-F5344CB8AC3E}">
@@ -4868,6 +5576,224 @@
 </file>
 
 <file path=ppt/slides/slide6.xml><?xml version="1.0" encoding="utf-8"?>
+<p:sld xmlns:a="http://schemas.openxmlformats.org/drawingml/2006/main" xmlns:r="http://schemas.openxmlformats.org/officeDocument/2006/relationships" xmlns:p="http://schemas.openxmlformats.org/presentationml/2006/main">
+  <p:cSld>
+    <p:bg>
+      <p:bgPr>
+        <a:solidFill>
+          <a:schemeClr val="bg1"/>
+        </a:solidFill>
+        <a:effectLst/>
+      </p:bgPr>
+    </p:bg>
+    <p:spTree>
+      <p:nvGrpSpPr>
+        <p:cNvPr id="1" name=""/>
+        <p:cNvGrpSpPr/>
+        <p:nvPr/>
+      </p:nvGrpSpPr>
+      <p:grpSpPr>
+        <a:xfrm>
+          <a:off x="0" y="0"/>
+          <a:ext cx="0" cy="0"/>
+          <a:chOff x="0" y="0"/>
+          <a:chExt cx="0" cy="0"/>
+        </a:xfrm>
+      </p:grpSpPr>
+      <p:pic>
+        <p:nvPicPr>
+          <p:cNvPr id="5" name="Picture 4" descr="A screenshot of a graph&#10;&#10;AI-generated content may be incorrect.">
+            <a:extLst>
+              <a:ext uri="{FF2B5EF4-FFF2-40B4-BE49-F238E27FC236}">
+                <a16:creationId xmlns:a16="http://schemas.microsoft.com/office/drawing/2014/main" id="{B49F6C4C-A7A1-8336-EAF8-6663BE79BAC9}"/>
+              </a:ext>
+            </a:extLst>
+          </p:cNvPr>
+          <p:cNvPicPr>
+            <a:picLocks noChangeAspect="1"/>
+          </p:cNvPicPr>
+          <p:nvPr/>
+        </p:nvPicPr>
+        <p:blipFill>
+          <a:blip r:embed="rId2"/>
+          <a:stretch>
+            <a:fillRect/>
+          </a:stretch>
+        </p:blipFill>
+        <p:spPr>
+          <a:xfrm>
+            <a:off x="1911701" y="1203303"/>
+            <a:ext cx="8505447" cy="5571067"/>
+          </a:xfrm>
+          <a:prstGeom prst="rect">
+            <a:avLst/>
+          </a:prstGeom>
+        </p:spPr>
+      </p:pic>
+      <p:sp>
+        <p:nvSpPr>
+          <p:cNvPr id="2" name="TextBox 1">
+            <a:extLst>
+              <a:ext uri="{FF2B5EF4-FFF2-40B4-BE49-F238E27FC236}">
+                <a16:creationId xmlns:a16="http://schemas.microsoft.com/office/drawing/2014/main" id="{064F6BF5-DF58-96B5-46BB-15474924E544}"/>
+              </a:ext>
+            </a:extLst>
+          </p:cNvPr>
+          <p:cNvSpPr txBox="1"/>
+          <p:nvPr/>
+        </p:nvSpPr>
+        <p:spPr>
+          <a:xfrm>
+            <a:off x="438534" y="376313"/>
+            <a:ext cx="7237450" cy="584775"/>
+          </a:xfrm>
+          <a:prstGeom prst="rect">
+            <a:avLst/>
+          </a:prstGeom>
+          <a:noFill/>
+        </p:spPr>
+        <p:txBody>
+          <a:bodyPr wrap="square" rtlCol="0">
+            <a:spAutoFit/>
+          </a:bodyPr>
+          <a:lstStyle/>
+          <a:p>
+            <a:r>
+              <a:rPr lang="en-US" sz="3200" b="1" dirty="0">
+                <a:solidFill>
+                  <a:schemeClr val="tx2"/>
+                </a:solidFill>
+              </a:rPr>
+              <a:t>Thyroid-stimulating Hormone Graphs</a:t>
+            </a:r>
+            <a:endParaRPr lang="en-US" b="1" dirty="0">
+              <a:solidFill>
+                <a:schemeClr val="tx2"/>
+              </a:solidFill>
+            </a:endParaRPr>
+          </a:p>
+        </p:txBody>
+      </p:sp>
+      <p:cxnSp>
+        <p:nvCxnSpPr>
+          <p:cNvPr id="3" name="Straight Connector 2">
+            <a:extLst>
+              <a:ext uri="{FF2B5EF4-FFF2-40B4-BE49-F238E27FC236}">
+                <a16:creationId xmlns:a16="http://schemas.microsoft.com/office/drawing/2014/main" id="{B8B36B2A-A4F0-810A-4B0C-3F8B83EF82A0}"/>
+              </a:ext>
+            </a:extLst>
+          </p:cNvPr>
+          <p:cNvCxnSpPr>
+            <a:cxnSpLocks/>
+          </p:cNvCxnSpPr>
+          <p:nvPr/>
+        </p:nvCxnSpPr>
+        <p:spPr>
+          <a:xfrm>
+            <a:off x="438534" y="933062"/>
+            <a:ext cx="7175246" cy="0"/>
+          </a:xfrm>
+          <a:prstGeom prst="line">
+            <a:avLst/>
+          </a:prstGeom>
+        </p:spPr>
+        <p:style>
+          <a:lnRef idx="2">
+            <a:schemeClr val="accent1"/>
+          </a:lnRef>
+          <a:fillRef idx="0">
+            <a:schemeClr val="accent1"/>
+          </a:fillRef>
+          <a:effectRef idx="1">
+            <a:schemeClr val="accent1"/>
+          </a:effectRef>
+          <a:fontRef idx="minor">
+            <a:schemeClr val="tx1"/>
+          </a:fontRef>
+        </p:style>
+      </p:cxnSp>
+    </p:spTree>
+    <p:extLst>
+      <p:ext uri="{BB962C8B-B14F-4D97-AF65-F5344CB8AC3E}">
+        <p14:creationId xmlns:p14="http://schemas.microsoft.com/office/powerpoint/2010/main" val="658059464"/>
+      </p:ext>
+    </p:extLst>
+  </p:cSld>
+  <p:clrMapOvr>
+    <a:masterClrMapping/>
+  </p:clrMapOvr>
+</p:sld>
+</file>
+
+<file path=ppt/slides/slide7.xml><?xml version="1.0" encoding="utf-8"?>
+<p:sld xmlns:a="http://schemas.openxmlformats.org/drawingml/2006/main" xmlns:r="http://schemas.openxmlformats.org/officeDocument/2006/relationships" xmlns:p="http://schemas.openxmlformats.org/presentationml/2006/main">
+  <p:cSld>
+    <p:bg>
+      <p:bgPr>
+        <a:solidFill>
+          <a:schemeClr val="bg1"/>
+        </a:solidFill>
+        <a:effectLst/>
+      </p:bgPr>
+    </p:bg>
+    <p:spTree>
+      <p:nvGrpSpPr>
+        <p:cNvPr id="1" name=""/>
+        <p:cNvGrpSpPr/>
+        <p:nvPr/>
+      </p:nvGrpSpPr>
+      <p:grpSpPr>
+        <a:xfrm>
+          <a:off x="0" y="0"/>
+          <a:ext cx="0" cy="0"/>
+          <a:chOff x="0" y="0"/>
+          <a:chExt cx="0" cy="0"/>
+        </a:xfrm>
+      </p:grpSpPr>
+      <p:pic>
+        <p:nvPicPr>
+          <p:cNvPr id="3" name="Picture 2" descr="A screenshot of a graph&#10;&#10;AI-generated content may be incorrect.">
+            <a:extLst>
+              <a:ext uri="{FF2B5EF4-FFF2-40B4-BE49-F238E27FC236}">
+                <a16:creationId xmlns:a16="http://schemas.microsoft.com/office/drawing/2014/main" id="{56B26BAF-6873-6083-4F66-9807EDE13615}"/>
+              </a:ext>
+            </a:extLst>
+          </p:cNvPr>
+          <p:cNvPicPr>
+            <a:picLocks noChangeAspect="1"/>
+          </p:cNvPicPr>
+          <p:nvPr/>
+        </p:nvPicPr>
+        <p:blipFill>
+          <a:blip r:embed="rId2"/>
+          <a:stretch>
+            <a:fillRect/>
+          </a:stretch>
+        </p:blipFill>
+        <p:spPr>
+          <a:xfrm>
+            <a:off x="2635034" y="850581"/>
+            <a:ext cx="6921931" cy="5156837"/>
+          </a:xfrm>
+          <a:prstGeom prst="rect">
+            <a:avLst/>
+          </a:prstGeom>
+        </p:spPr>
+      </p:pic>
+    </p:spTree>
+    <p:extLst>
+      <p:ext uri="{BB962C8B-B14F-4D97-AF65-F5344CB8AC3E}">
+        <p14:creationId xmlns:p14="http://schemas.microsoft.com/office/powerpoint/2010/main" val="322926840"/>
+      </p:ext>
+    </p:extLst>
+  </p:cSld>
+  <p:clrMapOvr>
+    <a:masterClrMapping/>
+  </p:clrMapOvr>
+</p:sld>
+</file>
+
+<file path=ppt/slides/slide8.xml><?xml version="1.0" encoding="utf-8"?>
 <p:sld xmlns:a="http://schemas.openxmlformats.org/drawingml/2006/main" xmlns:r="http://schemas.openxmlformats.org/officeDocument/2006/relationships" xmlns:p="http://schemas.openxmlformats.org/presentationml/2006/main">
   <p:cSld>
     <p:spTree>
@@ -4886,10 +5812,10 @@
       </p:grpSpPr>
       <p:pic>
         <p:nvPicPr>
-          <p:cNvPr id="5" name="Picture 4">
-            <a:extLst>
-              <a:ext uri="{FF2B5EF4-FFF2-40B4-BE49-F238E27FC236}">
-                <a16:creationId xmlns:a16="http://schemas.microsoft.com/office/drawing/2014/main" id="{B49F6C4C-A7A1-8336-EAF8-6663BE79BAC9}"/>
+          <p:cNvPr id="3" name="Picture 2">
+            <a:extLst>
+              <a:ext uri="{FF2B5EF4-FFF2-40B4-BE49-F238E27FC236}">
+                <a16:creationId xmlns:a16="http://schemas.microsoft.com/office/drawing/2014/main" id="{E5531B8D-6D71-1365-40B2-E92B325DF137}"/>
               </a:ext>
             </a:extLst>
           </p:cNvPr>
@@ -4906,8 +5832,8 @@
         </p:blipFill>
         <p:spPr>
           <a:xfrm>
-            <a:off x="1327865" y="380403"/>
-            <a:ext cx="9297605" cy="6097194"/>
+            <a:off x="2437889" y="513943"/>
+            <a:ext cx="7316221" cy="5830114"/>
           </a:xfrm>
           <a:prstGeom prst="rect">
             <a:avLst/>
@@ -4917,7 +5843,67 @@
     </p:spTree>
     <p:extLst>
       <p:ext uri="{BB962C8B-B14F-4D97-AF65-F5344CB8AC3E}">
-        <p14:creationId xmlns:p14="http://schemas.microsoft.com/office/powerpoint/2010/main" val="3549881800"/>
+        <p14:creationId xmlns:p14="http://schemas.microsoft.com/office/powerpoint/2010/main" val="4226361056"/>
+      </p:ext>
+    </p:extLst>
+  </p:cSld>
+  <p:clrMapOvr>
+    <a:masterClrMapping/>
+  </p:clrMapOvr>
+</p:sld>
+</file>
+
+<file path=ppt/slides/slide9.xml><?xml version="1.0" encoding="utf-8"?>
+<p:sld xmlns:a="http://schemas.openxmlformats.org/drawingml/2006/main" xmlns:r="http://schemas.openxmlformats.org/officeDocument/2006/relationships" xmlns:p="http://schemas.openxmlformats.org/presentationml/2006/main">
+  <p:cSld>
+    <p:spTree>
+      <p:nvGrpSpPr>
+        <p:cNvPr id="1" name=""/>
+        <p:cNvGrpSpPr/>
+        <p:nvPr/>
+      </p:nvGrpSpPr>
+      <p:grpSpPr>
+        <a:xfrm>
+          <a:off x="0" y="0"/>
+          <a:ext cx="0" cy="0"/>
+          <a:chOff x="0" y="0"/>
+          <a:chExt cx="0" cy="0"/>
+        </a:xfrm>
+      </p:grpSpPr>
+      <p:pic>
+        <p:nvPicPr>
+          <p:cNvPr id="3" name="Picture 2">
+            <a:extLst>
+              <a:ext uri="{FF2B5EF4-FFF2-40B4-BE49-F238E27FC236}">
+                <a16:creationId xmlns:a16="http://schemas.microsoft.com/office/drawing/2014/main" id="{CA5D33CE-7D83-936D-D457-F31B02511008}"/>
+              </a:ext>
+            </a:extLst>
+          </p:cNvPr>
+          <p:cNvPicPr>
+            <a:picLocks noChangeAspect="1"/>
+          </p:cNvPicPr>
+          <p:nvPr/>
+        </p:nvPicPr>
+        <p:blipFill>
+          <a:blip r:embed="rId2"/>
+          <a:stretch>
+            <a:fillRect/>
+          </a:stretch>
+        </p:blipFill>
+        <p:spPr>
+          <a:xfrm>
+            <a:off x="2718923" y="839548"/>
+            <a:ext cx="6754153" cy="5178903"/>
+          </a:xfrm>
+          <a:prstGeom prst="rect">
+            <a:avLst/>
+          </a:prstGeom>
+        </p:spPr>
+      </p:pic>
+    </p:spTree>
+    <p:extLst>
+      <p:ext uri="{BB962C8B-B14F-4D97-AF65-F5344CB8AC3E}">
+        <p14:creationId xmlns:p14="http://schemas.microsoft.com/office/powerpoint/2010/main" val="928272909"/>
       </p:ext>
     </p:extLst>
   </p:cSld>
